--- a/Notes/1.Python Introduction.pptx
+++ b/Notes/1.Python Introduction.pptx
@@ -89,7 +89,13 @@
               <a:rPr b="0" lang="en-IN" sz="4400" spc="-1" strike="noStrike">
                 <a:latin typeface="Arial"/>
               </a:rPr>
-              <a:t>Click to move the slide</a:t>
+              <a:t>Click to move the </a:t>
+            </a:r>
+            <a:r>
+              <a:rPr b="0" lang="en-IN" sz="4400" spc="-1" strike="noStrike">
+                <a:latin typeface="Arial"/>
+              </a:rPr>
+              <a:t>slide</a:t>
             </a:r>
             <a:endParaRPr b="0" lang="en-IN" sz="4400" spc="-1" strike="noStrike">
               <a:latin typeface="Arial"/>
@@ -267,7 +273,7 @@
           </a:bodyPr>
           <a:p>
             <a:pPr algn="r"/>
-            <a:fld id="{A38B4C85-9214-4840-AB16-B668782B1CC4}" type="slidenum">
+            <a:fld id="{8A282B4A-9FDA-4F00-ACB9-6EBD948614ED}" type="slidenum">
               <a:rPr b="0" lang="en-IN" sz="1400" spc="-1" strike="noStrike">
                 <a:latin typeface="Times New Roman"/>
               </a:rPr>
@@ -315,7 +321,7 @@
         <p:spPr>
           <a:xfrm>
             <a:off x="685800" y="1143000"/>
-            <a:ext cx="5485680" cy="3085560"/>
+            <a:ext cx="5485320" cy="3085200"/>
           </a:xfrm>
           <a:prstGeom prst="rect">
             <a:avLst/>
@@ -335,7 +341,7 @@
         <p:spPr>
           <a:xfrm>
             <a:off x="685800" y="4400640"/>
-            <a:ext cx="5485680" cy="3599640"/>
+            <a:ext cx="5485320" cy="3599280"/>
           </a:xfrm>
           <a:prstGeom prst="rect">
             <a:avLst/>
@@ -361,7 +367,7 @@
         <p:spPr>
           <a:xfrm>
             <a:off x="3884760" y="8685360"/>
-            <a:ext cx="2971080" cy="457920"/>
+            <a:ext cx="2970720" cy="457560"/>
           </a:xfrm>
           <a:prstGeom prst="rect">
             <a:avLst/>
@@ -387,7 +393,7 @@
                 <a:spcPct val="100000"/>
               </a:lnSpc>
             </a:pPr>
-            <a:fld id="{75B66634-B70C-432D-A41C-223320A7BDB7}" type="slidenum">
+            <a:fld id="{82796618-3623-49D5-B5DE-BD34DD3EB8CF}" type="slidenum">
               <a:rPr b="0" lang="en-IN" sz="1200" spc="-1" strike="noStrike">
                 <a:solidFill>
                   <a:srgbClr val="000000"/>
@@ -3156,8 +3162,8 @@
         </p:nvSpPr>
         <p:spPr>
           <a:xfrm>
-            <a:off x="838080" y="365040"/>
-            <a:ext cx="10514880" cy="1324800"/>
+            <a:off x="609480" y="273600"/>
+            <a:ext cx="10972080" cy="1144440"/>
           </a:xfrm>
           <a:prstGeom prst="rect">
             <a:avLst/>
@@ -3194,7 +3200,7 @@
         <p:spPr>
           <a:xfrm>
             <a:off x="609480" y="1604520"/>
-            <a:ext cx="10972440" cy="3977280"/>
+            <a:ext cx="10972080" cy="3976920"/>
           </a:xfrm>
           <a:prstGeom prst="rect">
             <a:avLst/>
@@ -3205,7 +3211,7 @@
             <a:normAutofit/>
           </a:bodyPr>
           <a:p>
-            <a:pPr marL="432000" indent="-324000">
+            <a:pPr marL="432000" indent="-324000" algn="ctr">
               <a:spcBef>
                 <a:spcPts val="1417"/>
               </a:spcBef>
@@ -3217,17 +3223,17 @@
               <a:buChar char=""/>
             </a:pPr>
             <a:r>
-              <a:rPr b="0" lang="en-IN" sz="3200" spc="-1" strike="noStrike">
+              <a:rPr b="0" lang="en-IN" sz="1800" spc="-1" strike="noStrike">
                 <a:latin typeface="Arial"/>
               </a:rPr>
               <a:t>Click to edit the outline text format</a:t>
             </a:r>
-            <a:endParaRPr b="0" lang="en-IN" sz="3200" spc="-1" strike="noStrike">
-              <a:latin typeface="Arial"/>
-            </a:endParaRPr>
-          </a:p>
-          <a:p>
-            <a:pPr lvl="1" marL="864000" indent="-324000">
+            <a:endParaRPr b="0" lang="en-IN" sz="1800" spc="-1" strike="noStrike">
+              <a:latin typeface="Arial"/>
+            </a:endParaRPr>
+          </a:p>
+          <a:p>
+            <a:pPr lvl="1" marL="864000" indent="-324000" algn="ctr">
               <a:spcBef>
                 <a:spcPts val="1134"/>
               </a:spcBef>
@@ -3239,17 +3245,17 @@
               <a:buChar char=""/>
             </a:pPr>
             <a:r>
-              <a:rPr b="0" lang="en-IN" sz="2800" spc="-1" strike="noStrike">
+              <a:rPr b="0" lang="en-IN" sz="1800" spc="-1" strike="noStrike">
                 <a:latin typeface="Arial"/>
               </a:rPr>
               <a:t>Second Outline Level</a:t>
             </a:r>
-            <a:endParaRPr b="0" lang="en-IN" sz="2800" spc="-1" strike="noStrike">
-              <a:latin typeface="Arial"/>
-            </a:endParaRPr>
-          </a:p>
-          <a:p>
-            <a:pPr lvl="2" marL="1296000" indent="-288000">
+            <a:endParaRPr b="0" lang="en-IN" sz="1800" spc="-1" strike="noStrike">
+              <a:latin typeface="Arial"/>
+            </a:endParaRPr>
+          </a:p>
+          <a:p>
+            <a:pPr lvl="2" marL="1296000" indent="-288000" algn="ctr">
               <a:spcBef>
                 <a:spcPts val="850"/>
               </a:spcBef>
@@ -3261,17 +3267,17 @@
               <a:buChar char=""/>
             </a:pPr>
             <a:r>
-              <a:rPr b="0" lang="en-IN" sz="2400" spc="-1" strike="noStrike">
+              <a:rPr b="0" lang="en-IN" sz="1800" spc="-1" strike="noStrike">
                 <a:latin typeface="Arial"/>
               </a:rPr>
               <a:t>Third Outline Level</a:t>
             </a:r>
-            <a:endParaRPr b="0" lang="en-IN" sz="2400" spc="-1" strike="noStrike">
-              <a:latin typeface="Arial"/>
-            </a:endParaRPr>
-          </a:p>
-          <a:p>
-            <a:pPr lvl="3" marL="1728000" indent="-216000">
+            <a:endParaRPr b="0" lang="en-IN" sz="1800" spc="-1" strike="noStrike">
+              <a:latin typeface="Arial"/>
+            </a:endParaRPr>
+          </a:p>
+          <a:p>
+            <a:pPr lvl="3" marL="1728000" indent="-216000" algn="ctr">
               <a:spcBef>
                 <a:spcPts val="567"/>
               </a:spcBef>
@@ -3283,17 +3289,17 @@
               <a:buChar char=""/>
             </a:pPr>
             <a:r>
-              <a:rPr b="0" lang="en-IN" sz="2000" spc="-1" strike="noStrike">
+              <a:rPr b="0" lang="en-IN" sz="1800" spc="-1" strike="noStrike">
                 <a:latin typeface="Arial"/>
               </a:rPr>
               <a:t>Fourth Outline Level</a:t>
             </a:r>
-            <a:endParaRPr b="0" lang="en-IN" sz="2000" spc="-1" strike="noStrike">
-              <a:latin typeface="Arial"/>
-            </a:endParaRPr>
-          </a:p>
-          <a:p>
-            <a:pPr lvl="4" marL="2160000" indent="-216000">
+            <a:endParaRPr b="0" lang="en-IN" sz="1800" spc="-1" strike="noStrike">
+              <a:latin typeface="Arial"/>
+            </a:endParaRPr>
+          </a:p>
+          <a:p>
+            <a:pPr lvl="4" marL="2160000" indent="-216000" algn="ctr">
               <a:spcBef>
                 <a:spcPts val="283"/>
               </a:spcBef>
@@ -3305,17 +3311,17 @@
               <a:buChar char=""/>
             </a:pPr>
             <a:r>
-              <a:rPr b="0" lang="en-IN" sz="2000" spc="-1" strike="noStrike">
+              <a:rPr b="0" lang="en-IN" sz="1800" spc="-1" strike="noStrike">
                 <a:latin typeface="Arial"/>
               </a:rPr>
               <a:t>Fifth Outline Level</a:t>
             </a:r>
-            <a:endParaRPr b="0" lang="en-IN" sz="2000" spc="-1" strike="noStrike">
-              <a:latin typeface="Arial"/>
-            </a:endParaRPr>
-          </a:p>
-          <a:p>
-            <a:pPr lvl="5" marL="2592000" indent="-216000">
+            <a:endParaRPr b="0" lang="en-IN" sz="1800" spc="-1" strike="noStrike">
+              <a:latin typeface="Arial"/>
+            </a:endParaRPr>
+          </a:p>
+          <a:p>
+            <a:pPr lvl="5" marL="2592000" indent="-216000" algn="ctr">
               <a:spcBef>
                 <a:spcPts val="283"/>
               </a:spcBef>
@@ -3327,17 +3333,17 @@
               <a:buChar char=""/>
             </a:pPr>
             <a:r>
-              <a:rPr b="0" lang="en-IN" sz="2000" spc="-1" strike="noStrike">
+              <a:rPr b="0" lang="en-IN" sz="1800" spc="-1" strike="noStrike">
                 <a:latin typeface="Arial"/>
               </a:rPr>
               <a:t>Sixth Outline Level</a:t>
             </a:r>
-            <a:endParaRPr b="0" lang="en-IN" sz="2000" spc="-1" strike="noStrike">
-              <a:latin typeface="Arial"/>
-            </a:endParaRPr>
-          </a:p>
-          <a:p>
-            <a:pPr lvl="6" marL="3024000" indent="-216000">
+            <a:endParaRPr b="0" lang="en-IN" sz="1800" spc="-1" strike="noStrike">
+              <a:latin typeface="Arial"/>
+            </a:endParaRPr>
+          </a:p>
+          <a:p>
+            <a:pPr lvl="6" marL="3024000" indent="-216000" algn="ctr">
               <a:spcBef>
                 <a:spcPts val="283"/>
               </a:spcBef>
@@ -3349,12 +3355,12 @@
               <a:buChar char=""/>
             </a:pPr>
             <a:r>
-              <a:rPr b="0" lang="en-IN" sz="2000" spc="-1" strike="noStrike">
+              <a:rPr b="0" lang="en-IN" sz="1800" spc="-1" strike="noStrike">
                 <a:latin typeface="Arial"/>
               </a:rPr>
               <a:t>Seventh Outline Level</a:t>
             </a:r>
-            <a:endParaRPr b="0" lang="en-IN" sz="2000" spc="-1" strike="noStrike">
+            <a:endParaRPr b="0" lang="en-IN" sz="1800" spc="-1" strike="noStrike">
               <a:latin typeface="Arial"/>
             </a:endParaRPr>
           </a:p>
@@ -3666,7 +3672,7 @@
         <p:spPr>
           <a:xfrm>
             <a:off x="792360" y="5256000"/>
-            <a:ext cx="9143280" cy="2386800"/>
+            <a:ext cx="9142920" cy="2386440"/>
           </a:xfrm>
           <a:prstGeom prst="rect">
             <a:avLst/>
@@ -3711,6 +3717,7 @@
                   <a:srgbClr val="000000"/>
                 </a:solidFill>
                 <a:latin typeface="Calibri Light"/>
+                <a:ea typeface="DejaVu Sans"/>
               </a:rPr>
               <a:t>Python is an interpreted</a:t>
             </a:r>
@@ -3721,6 +3728,7 @@
                   <a:srgbClr val="000000"/>
                 </a:solidFill>
                 <a:latin typeface="Calibri Light"/>
+                <a:ea typeface="DejaVu Sans"/>
               </a:rPr>
               <a:t>object-oriented </a:t>
             </a:r>
@@ -3731,6 +3739,7 @@
                   <a:srgbClr val="000000"/>
                 </a:solidFill>
                 <a:latin typeface="Calibri Light"/>
+                <a:ea typeface="DejaVu Sans"/>
               </a:rPr>
               <a:t>scripting language</a:t>
             </a:r>
@@ -3741,6 +3750,7 @@
                   <a:srgbClr val="000000"/>
                 </a:solidFill>
                 <a:latin typeface="Calibri Light"/>
+                <a:ea typeface="DejaVu Sans"/>
               </a:rPr>
               <a:t>functional oriented  </a:t>
             </a:r>
@@ -3751,6 +3761,7 @@
                   <a:srgbClr val="000000"/>
                 </a:solidFill>
                 <a:latin typeface="Calibri Light"/>
+                <a:ea typeface="DejaVu Sans"/>
               </a:rPr>
               <a:t>high-level programming language with dynamic semantics. </a:t>
             </a:r>
@@ -3761,6 +3772,7 @@
                   <a:srgbClr val="000000"/>
                 </a:solidFill>
                 <a:latin typeface="Calibri Light"/>
+                <a:ea typeface="DejaVu Sans"/>
               </a:rPr>
               <a:t>built in data structures</a:t>
             </a:r>
@@ -3771,6 +3783,7 @@
                   <a:srgbClr val="000000"/>
                 </a:solidFill>
                 <a:latin typeface="Calibri Light"/>
+                <a:ea typeface="DejaVu Sans"/>
               </a:rPr>
               <a:t>dynamic typing and dynamic binding</a:t>
             </a:r>
@@ -3791,7 +3804,7 @@
         <p:spPr>
           <a:xfrm>
             <a:off x="432360" y="144000"/>
-            <a:ext cx="9143280" cy="996480"/>
+            <a:ext cx="9142920" cy="996120"/>
           </a:xfrm>
           <a:prstGeom prst="rect">
             <a:avLst/>
@@ -3829,6 +3842,7 @@
                   <a:srgbClr val="ff0000"/>
                 </a:solidFill>
                 <a:latin typeface="Calibri"/>
+                <a:ea typeface="DejaVu Sans"/>
               </a:rPr>
               <a:t>Python Introduction</a:t>
             </a:r>
@@ -3877,7 +3891,7 @@
         <p:spPr>
           <a:xfrm>
             <a:off x="838080" y="365040"/>
-            <a:ext cx="10514880" cy="1324800"/>
+            <a:ext cx="10514520" cy="1324440"/>
           </a:xfrm>
           <a:prstGeom prst="rect">
             <a:avLst/>
@@ -3909,6 +3923,7 @@
                   <a:srgbClr val="ff0000"/>
                 </a:solidFill>
                 <a:latin typeface="Calibri Light"/>
+                <a:ea typeface="DejaVu Sans"/>
               </a:rPr>
               <a:t>Flavours of Python</a:t>
             </a:r>
@@ -3927,7 +3942,7 @@
         <p:spPr>
           <a:xfrm>
             <a:off x="933840" y="1910520"/>
-            <a:ext cx="10514880" cy="4538520"/>
+            <a:ext cx="10514520" cy="4538160"/>
           </a:xfrm>
           <a:prstGeom prst="rect">
             <a:avLst/>
@@ -3948,7 +3963,7 @@
             <a:noAutofit/>
           </a:bodyPr>
           <a:p>
-            <a:pPr marL="228600" indent="-227880">
+            <a:pPr marL="228600" indent="-227520">
               <a:lnSpc>
                 <a:spcPct val="90000"/>
               </a:lnSpc>
@@ -3967,6 +3982,7 @@
                   <a:srgbClr val="000000"/>
                 </a:solidFill>
                 <a:latin typeface="Calibri"/>
+                <a:ea typeface="DejaVu Sans"/>
               </a:rPr>
               <a:t>Jython or Jpython – Java</a:t>
             </a:r>
@@ -3975,7 +3991,7 @@
             </a:endParaRPr>
           </a:p>
           <a:p>
-            <a:pPr marL="228600" indent="-227880">
+            <a:pPr marL="228600" indent="-227520">
               <a:lnSpc>
                 <a:spcPct val="90000"/>
               </a:lnSpc>
@@ -3994,6 +4010,7 @@
                   <a:srgbClr val="000000"/>
                 </a:solidFill>
                 <a:latin typeface="Calibri"/>
+                <a:ea typeface="DejaVu Sans"/>
               </a:rPr>
               <a:t>IronPyhton – Dotnet</a:t>
             </a:r>
@@ -4002,7 +4019,7 @@
             </a:endParaRPr>
           </a:p>
           <a:p>
-            <a:pPr marL="228600" indent="-227880">
+            <a:pPr marL="228600" indent="-227520">
               <a:lnSpc>
                 <a:spcPct val="90000"/>
               </a:lnSpc>
@@ -4021,6 +4038,7 @@
                   <a:srgbClr val="000000"/>
                 </a:solidFill>
                 <a:latin typeface="Calibri"/>
+                <a:ea typeface="DejaVu Sans"/>
               </a:rPr>
               <a:t>Pypy – PVM(JIT)</a:t>
             </a:r>
@@ -4029,7 +4047,7 @@
             </a:endParaRPr>
           </a:p>
           <a:p>
-            <a:pPr marL="228600" indent="-227880">
+            <a:pPr marL="228600" indent="-227520">
               <a:lnSpc>
                 <a:spcPct val="90000"/>
               </a:lnSpc>
@@ -4048,6 +4066,7 @@
                   <a:srgbClr val="000000"/>
                 </a:solidFill>
                 <a:latin typeface="Calibri"/>
+                <a:ea typeface="DejaVu Sans"/>
               </a:rPr>
               <a:t>RubyPython – Ruby</a:t>
             </a:r>
@@ -4056,7 +4075,7 @@
             </a:endParaRPr>
           </a:p>
           <a:p>
-            <a:pPr marL="228600" indent="-227880">
+            <a:pPr marL="228600" indent="-227520">
               <a:lnSpc>
                 <a:spcPct val="90000"/>
               </a:lnSpc>
@@ -4075,6 +4094,7 @@
                   <a:srgbClr val="000000"/>
                 </a:solidFill>
                 <a:latin typeface="Calibri"/>
+                <a:ea typeface="DejaVu Sans"/>
               </a:rPr>
               <a:t>Anaconda Python – Bigdata</a:t>
             </a:r>
@@ -4083,7 +4103,7 @@
             </a:endParaRPr>
           </a:p>
           <a:p>
-            <a:pPr marL="228600" indent="-227880">
+            <a:pPr marL="228600" indent="-227520">
               <a:lnSpc>
                 <a:spcPct val="90000"/>
               </a:lnSpc>
@@ -4102,6 +4122,7 @@
                   <a:srgbClr val="000000"/>
                 </a:solidFill>
                 <a:latin typeface="Calibri"/>
+                <a:ea typeface="DejaVu Sans"/>
               </a:rPr>
               <a:t>Stackless Python – Concurrency</a:t>
             </a:r>
@@ -4111,6 +4132,7 @@
                   <a:srgbClr val="000000"/>
                 </a:solidFill>
                 <a:latin typeface="Calibri"/>
+                <a:ea typeface="DejaVu Sans"/>
               </a:rPr>
               <a:t> </a:t>
             </a:r>
@@ -4172,7 +4194,7 @@
         <p:spPr>
           <a:xfrm>
             <a:off x="838080" y="365040"/>
-            <a:ext cx="10514880" cy="1324800"/>
+            <a:ext cx="10514520" cy="1324440"/>
           </a:xfrm>
           <a:prstGeom prst="rect">
             <a:avLst/>
@@ -4190,7 +4212,7 @@
         </p:style>
         <p:txBody>
           <a:bodyPr lIns="90000" rIns="90000" tIns="45000" bIns="45000" anchor="ctr">
-            <a:normAutofit fontScale="52000"/>
+            <a:normAutofit fontScale="54000"/>
           </a:bodyPr>
           <a:p>
             <a:pPr algn="ctr">
@@ -4204,6 +4226,7 @@
                   <a:srgbClr val="ff0000"/>
                 </a:solidFill>
                 <a:latin typeface="Calibri Light"/>
+                <a:ea typeface="DejaVu Sans"/>
               </a:rPr>
               <a:t>Print Function</a:t>
             </a:r>
@@ -4223,7 +4246,7 @@
         <p:spPr>
           <a:xfrm>
             <a:off x="537840" y="-144000"/>
-            <a:ext cx="10405800" cy="3932640"/>
+            <a:ext cx="10405440" cy="3932280"/>
           </a:xfrm>
           <a:prstGeom prst="rect">
             <a:avLst/>
@@ -4300,7 +4323,7 @@
         <p:spPr>
           <a:xfrm>
             <a:off x="432000" y="1825560"/>
-            <a:ext cx="11504520" cy="4388400"/>
+            <a:ext cx="11504160" cy="4388040"/>
           </a:xfrm>
           <a:prstGeom prst="rect">
             <a:avLst/>
@@ -4334,7 +4357,7 @@
             </a:endParaRPr>
           </a:p>
           <a:p>
-            <a:pPr marL="216000" indent="-216000">
+            <a:pPr marL="216000" indent="-215640">
               <a:lnSpc>
                 <a:spcPct val="100000"/>
               </a:lnSpc>
@@ -4392,7 +4415,7 @@
             </a:endParaRPr>
           </a:p>
           <a:p>
-            <a:pPr marL="216000" indent="-216000">
+            <a:pPr marL="216000" indent="-215640">
               <a:lnSpc>
                 <a:spcPct val="100000"/>
               </a:lnSpc>
@@ -4460,7 +4483,7 @@
             </a:endParaRPr>
           </a:p>
           <a:p>
-            <a:pPr marL="216000" indent="-216000">
+            <a:pPr marL="216000" indent="-215640">
               <a:lnSpc>
                 <a:spcPct val="100000"/>
               </a:lnSpc>
@@ -4518,7 +4541,7 @@
             </a:endParaRPr>
           </a:p>
           <a:p>
-            <a:pPr marL="216000" indent="-216000">
+            <a:pPr marL="216000" indent="-215640">
               <a:lnSpc>
                 <a:spcPct val="100000"/>
               </a:lnSpc>
@@ -4576,7 +4599,7 @@
             </a:endParaRPr>
           </a:p>
           <a:p>
-            <a:pPr marL="216000" indent="-216000">
+            <a:pPr marL="216000" indent="-215640">
               <a:lnSpc>
                 <a:spcPct val="100000"/>
               </a:lnSpc>
@@ -4647,7 +4670,7 @@
             </a:endParaRPr>
           </a:p>
           <a:p>
-            <a:pPr marL="216000" indent="-216000">
+            <a:pPr marL="216000" indent="-215640">
               <a:lnSpc>
                 <a:spcPct val="100000"/>
               </a:lnSpc>
@@ -4728,7 +4751,7 @@
         <p:spPr>
           <a:xfrm>
             <a:off x="838080" y="365040"/>
-            <a:ext cx="10514880" cy="1324800"/>
+            <a:ext cx="10514520" cy="1324440"/>
           </a:xfrm>
           <a:prstGeom prst="rect">
             <a:avLst/>
@@ -4760,6 +4783,7 @@
                   <a:srgbClr val="ff0000"/>
                 </a:solidFill>
                 <a:latin typeface="Calibri Light"/>
+                <a:ea typeface="DejaVu Sans"/>
               </a:rPr>
               <a:t>Python shell act as calculator</a:t>
             </a:r>
@@ -4778,7 +4802,7 @@
         <p:spPr>
           <a:xfrm>
             <a:off x="838080" y="1825560"/>
-            <a:ext cx="10514880" cy="4350600"/>
+            <a:ext cx="10514520" cy="4350240"/>
           </a:xfrm>
           <a:prstGeom prst="rect">
             <a:avLst/>
@@ -4799,7 +4823,7 @@
             <a:noAutofit/>
           </a:bodyPr>
           <a:p>
-            <a:pPr marL="228600" indent="-227880">
+            <a:pPr marL="228600" indent="-227520">
               <a:lnSpc>
                 <a:spcPct val="90000"/>
               </a:lnSpc>
@@ -4818,6 +4842,7 @@
                   <a:srgbClr val="000000"/>
                 </a:solidFill>
                 <a:latin typeface="Calibri"/>
+                <a:ea typeface="DejaVu Sans"/>
               </a:rPr>
               <a:t>We can do mathematical calculation by using python shell directly.</a:t>
             </a:r>
@@ -4826,7 +4851,7 @@
             </a:endParaRPr>
           </a:p>
           <a:p>
-            <a:pPr marL="228600" indent="-227880">
+            <a:pPr marL="228600" indent="-227520">
               <a:lnSpc>
                 <a:spcPct val="90000"/>
               </a:lnSpc>
@@ -4845,6 +4870,7 @@
                   <a:srgbClr val="000000"/>
                 </a:solidFill>
                 <a:latin typeface="Calibri"/>
+                <a:ea typeface="DejaVu Sans"/>
               </a:rPr>
               <a:t>For example</a:t>
             </a:r>
@@ -4853,7 +4879,7 @@
             </a:endParaRPr>
           </a:p>
           <a:p>
-            <a:pPr lvl="1" marL="685800" indent="-227880">
+            <a:pPr lvl="1" marL="685800" indent="-227520">
               <a:lnSpc>
                 <a:spcPct val="90000"/>
               </a:lnSpc>
@@ -4872,6 +4898,7 @@
                   <a:srgbClr val="000000"/>
                 </a:solidFill>
                 <a:latin typeface="Calibri"/>
+                <a:ea typeface="DejaVu Sans"/>
               </a:rPr>
               <a:t>&gt;&gt;&gt; a =10 ,b=5</a:t>
             </a:r>
@@ -4880,7 +4907,7 @@
             </a:endParaRPr>
           </a:p>
           <a:p>
-            <a:pPr lvl="1" marL="685800" indent="-227880">
+            <a:pPr lvl="1" marL="685800" indent="-227520">
               <a:lnSpc>
                 <a:spcPct val="90000"/>
               </a:lnSpc>
@@ -4899,6 +4926,7 @@
                   <a:srgbClr val="000000"/>
                 </a:solidFill>
                 <a:latin typeface="Calibri"/>
+                <a:ea typeface="DejaVu Sans"/>
               </a:rPr>
               <a:t>&gt;&gt;&gt; c = a+b          -- Addition</a:t>
             </a:r>
@@ -4907,7 +4935,7 @@
             </a:endParaRPr>
           </a:p>
           <a:p>
-            <a:pPr lvl="1" marL="685800" indent="-227880">
+            <a:pPr lvl="1" marL="685800" indent="-227520">
               <a:lnSpc>
                 <a:spcPct val="90000"/>
               </a:lnSpc>
@@ -4926,6 +4954,7 @@
                   <a:srgbClr val="000000"/>
                 </a:solidFill>
                 <a:latin typeface="Calibri"/>
+                <a:ea typeface="DejaVu Sans"/>
               </a:rPr>
               <a:t>&gt;&gt;&gt; c = a-b           --  Subtraction</a:t>
             </a:r>
@@ -4934,7 +4963,7 @@
             </a:endParaRPr>
           </a:p>
           <a:p>
-            <a:pPr lvl="1" marL="685800" indent="-227880">
+            <a:pPr lvl="1" marL="685800" indent="-227520">
               <a:lnSpc>
                 <a:spcPct val="90000"/>
               </a:lnSpc>
@@ -4953,6 +4982,7 @@
                   <a:srgbClr val="000000"/>
                 </a:solidFill>
                 <a:latin typeface="Calibri"/>
+                <a:ea typeface="DejaVu Sans"/>
               </a:rPr>
               <a:t>&gt;&gt;&gt; c = a * b        --  Multiplication</a:t>
             </a:r>
@@ -4961,7 +4991,7 @@
             </a:endParaRPr>
           </a:p>
           <a:p>
-            <a:pPr lvl="1" marL="685800" indent="-227880">
+            <a:pPr lvl="1" marL="685800" indent="-227520">
               <a:lnSpc>
                 <a:spcPct val="90000"/>
               </a:lnSpc>
@@ -4980,6 +5010,7 @@
                   <a:srgbClr val="000000"/>
                 </a:solidFill>
                 <a:latin typeface="Calibri"/>
+                <a:ea typeface="DejaVu Sans"/>
               </a:rPr>
               <a:t>&gt;&gt;&gt; c = a / b        -- Division   </a:t>
             </a:r>
@@ -4988,7 +5019,7 @@
             </a:endParaRPr>
           </a:p>
           <a:p>
-            <a:pPr lvl="1" marL="685800" indent="-227880">
+            <a:pPr lvl="1" marL="685800" indent="-227520">
               <a:lnSpc>
                 <a:spcPct val="90000"/>
               </a:lnSpc>
@@ -5007,6 +5038,7 @@
                   <a:srgbClr val="000000"/>
                 </a:solidFill>
                 <a:latin typeface="Calibri"/>
+                <a:ea typeface="DejaVu Sans"/>
               </a:rPr>
               <a:t>&gt;&gt;&gt; c = a % b       -- Modulus ( a-((a//b)*b)</a:t>
             </a:r>
@@ -5015,7 +5047,7 @@
             </a:endParaRPr>
           </a:p>
           <a:p>
-            <a:pPr lvl="1" marL="685800" indent="-227880">
+            <a:pPr lvl="1" marL="685800" indent="-227520">
               <a:lnSpc>
                 <a:spcPct val="90000"/>
               </a:lnSpc>
@@ -5034,6 +5066,7 @@
                   <a:srgbClr val="000000"/>
                 </a:solidFill>
                 <a:latin typeface="Calibri"/>
+                <a:ea typeface="DejaVu Sans"/>
               </a:rPr>
               <a:t>&gt;&gt;&gt; c = a**b        -- Exponent    i.e. pow(a , b)</a:t>
             </a:r>
@@ -5042,7 +5075,7 @@
             </a:endParaRPr>
           </a:p>
           <a:p>
-            <a:pPr lvl="1" marL="685800" indent="-227880">
+            <a:pPr lvl="1" marL="685800" indent="-227520">
               <a:lnSpc>
                 <a:spcPct val="90000"/>
               </a:lnSpc>
@@ -5061,6 +5094,7 @@
                   <a:srgbClr val="000000"/>
                 </a:solidFill>
                 <a:latin typeface="Calibri"/>
+                <a:ea typeface="DejaVu Sans"/>
               </a:rPr>
               <a:t>&gt;&gt;&gt; c = a // b       -- Floor Division</a:t>
             </a:r>
@@ -5119,7 +5153,7 @@
         <p:spPr>
           <a:xfrm>
             <a:off x="838080" y="365040"/>
-            <a:ext cx="10514880" cy="999000"/>
+            <a:ext cx="10514520" cy="998640"/>
           </a:xfrm>
           <a:prstGeom prst="rect">
             <a:avLst/>
@@ -5137,7 +5171,7 @@
         </p:style>
         <p:txBody>
           <a:bodyPr lIns="90000" rIns="90000" tIns="45000" bIns="45000" anchor="ctr">
-            <a:normAutofit fontScale="46000"/>
+            <a:normAutofit fontScale="48000"/>
           </a:bodyPr>
           <a:p>
             <a:pPr algn="ctr">
@@ -5151,6 +5185,7 @@
                   <a:srgbClr val="ff0000"/>
                 </a:solidFill>
                 <a:latin typeface="Calibri Light"/>
+                <a:ea typeface="DejaVu Sans"/>
               </a:rPr>
               <a:t>Lines and Indentation</a:t>
             </a:r>
@@ -5170,7 +5205,7 @@
         <p:spPr>
           <a:xfrm>
             <a:off x="0" y="1255680"/>
-            <a:ext cx="11203920" cy="5130720"/>
+            <a:ext cx="11203560" cy="5130360"/>
           </a:xfrm>
           <a:prstGeom prst="rect">
             <a:avLst/>
@@ -5191,7 +5226,7 @@
             <a:normAutofit/>
           </a:bodyPr>
           <a:p>
-            <a:pPr marL="228600" indent="-227880">
+            <a:pPr marL="228600" indent="-227520">
               <a:lnSpc>
                 <a:spcPct val="90000"/>
               </a:lnSpc>
@@ -5210,6 +5245,7 @@
                   <a:srgbClr val="000000"/>
                 </a:solidFill>
                 <a:latin typeface="Calibri"/>
+                <a:ea typeface="DejaVu Sans"/>
               </a:rPr>
               <a:t>Python does not use braces ({}) to indicate blocks of code for class and function definitions or flow control. </a:t>
             </a:r>
@@ -5218,7 +5254,7 @@
             </a:endParaRPr>
           </a:p>
           <a:p>
-            <a:pPr marL="228600" indent="-227880">
+            <a:pPr marL="228600" indent="-227520">
               <a:lnSpc>
                 <a:spcPct val="90000"/>
               </a:lnSpc>
@@ -5237,6 +5273,7 @@
                   <a:srgbClr val="000000"/>
                 </a:solidFill>
                 <a:latin typeface="Calibri"/>
+                <a:ea typeface="DejaVu Sans"/>
               </a:rPr>
               <a:t>Blocks of code are denoted by line indentation, which is rigidly enforced.</a:t>
             </a:r>
@@ -5247,6 +5284,7 @@
                   <a:srgbClr val="000000"/>
                 </a:solidFill>
                 <a:latin typeface="Calibri"/>
+                <a:ea typeface="DejaVu Sans"/>
               </a:rPr>
               <a:t>The number of spaces in the indentation is variable, but all statements within the block must be indented the same amount. For example-</a:t>
             </a:r>
@@ -5272,6 +5310,7 @@
                   <a:srgbClr val="000000"/>
                 </a:solidFill>
                 <a:latin typeface="Calibri"/>
+                <a:ea typeface="DejaVu Sans"/>
               </a:rPr>
               <a:t>If True:</a:t>
             </a:r>
@@ -5297,6 +5336,7 @@
                   <a:srgbClr val="000000"/>
                 </a:solidFill>
                 <a:latin typeface="Calibri"/>
+                <a:ea typeface="DejaVu Sans"/>
               </a:rPr>
               <a:t>	</a:t>
             </a:r>
@@ -5306,6 +5346,7 @@
                   <a:srgbClr val="000000"/>
                 </a:solidFill>
                 <a:latin typeface="Calibri"/>
+                <a:ea typeface="DejaVu Sans"/>
               </a:rPr>
               <a:t>Print (“True”)</a:t>
             </a:r>
@@ -5331,6 +5372,7 @@
                   <a:srgbClr val="000000"/>
                 </a:solidFill>
                 <a:latin typeface="Calibri"/>
+                <a:ea typeface="DejaVu Sans"/>
               </a:rPr>
               <a:t>else:</a:t>
             </a:r>
@@ -5356,6 +5398,7 @@
                   <a:srgbClr val="000000"/>
                 </a:solidFill>
                 <a:latin typeface="Calibri"/>
+                <a:ea typeface="DejaVu Sans"/>
               </a:rPr>
               <a:t>	</a:t>
             </a:r>
@@ -5365,6 +5408,7 @@
                   <a:srgbClr val="000000"/>
                 </a:solidFill>
                 <a:latin typeface="Calibri"/>
+                <a:ea typeface="DejaVu Sans"/>
               </a:rPr>
               <a:t>print (“False”)</a:t>
             </a:r>
@@ -5429,7 +5473,7 @@
         <p:spPr>
           <a:xfrm>
             <a:off x="838080" y="365040"/>
-            <a:ext cx="10514880" cy="1324800"/>
+            <a:ext cx="10514520" cy="1324440"/>
           </a:xfrm>
           <a:prstGeom prst="rect">
             <a:avLst/>
@@ -5461,6 +5505,7 @@
                   <a:srgbClr val="ff0000"/>
                 </a:solidFill>
                 <a:latin typeface="Calibri Light"/>
+                <a:ea typeface="DejaVu Sans"/>
               </a:rPr>
               <a:t>Multi-Line Statements</a:t>
             </a:r>
@@ -5480,7 +5525,7 @@
         <p:spPr>
           <a:xfrm>
             <a:off x="838080" y="1825560"/>
-            <a:ext cx="10514880" cy="4350600"/>
+            <a:ext cx="10514520" cy="4350240"/>
           </a:xfrm>
           <a:prstGeom prst="rect">
             <a:avLst/>
@@ -5498,10 +5543,10 @@
         </p:style>
         <p:txBody>
           <a:bodyPr lIns="90000" rIns="90000" tIns="45000" bIns="45000">
-            <a:normAutofit fontScale="81000"/>
-          </a:bodyPr>
-          <a:p>
-            <a:pPr marL="228600" indent="-227880">
+            <a:normAutofit fontScale="82000"/>
+          </a:bodyPr>
+          <a:p>
+            <a:pPr marL="228600" indent="-227520">
               <a:lnSpc>
                 <a:spcPct val="90000"/>
               </a:lnSpc>
@@ -5520,6 +5565,7 @@
                   <a:srgbClr val="000000"/>
                 </a:solidFill>
                 <a:latin typeface="Calibri"/>
+                <a:ea typeface="DejaVu Sans"/>
               </a:rPr>
               <a:t>Statements in Python typically end with a new line. Python, however, allows the use of the line continuation character (\) to denote that the line should continue. For example </a:t>
             </a:r>
@@ -5545,6 +5591,7 @@
                   <a:srgbClr val="000000"/>
                 </a:solidFill>
                 <a:latin typeface="Calibri"/>
+                <a:ea typeface="DejaVu Sans"/>
               </a:rPr>
               <a:t>total = item_one +\</a:t>
             </a:r>
@@ -5570,6 +5617,7 @@
                   <a:srgbClr val="000000"/>
                 </a:solidFill>
                 <a:latin typeface="Calibri"/>
+                <a:ea typeface="DejaVu Sans"/>
               </a:rPr>
               <a:t> </a:t>
             </a:r>
@@ -5579,6 +5627,7 @@
                   <a:srgbClr val="000000"/>
                 </a:solidFill>
                 <a:latin typeface="Calibri"/>
+                <a:ea typeface="DejaVu Sans"/>
               </a:rPr>
               <a:t>item_two + \</a:t>
             </a:r>
@@ -5604,6 +5653,7 @@
                   <a:srgbClr val="000000"/>
                 </a:solidFill>
                 <a:latin typeface="Calibri"/>
+                <a:ea typeface="DejaVu Sans"/>
               </a:rPr>
               <a:t>item_three</a:t>
             </a:r>
@@ -5629,6 +5679,7 @@
                   <a:srgbClr val="000000"/>
                 </a:solidFill>
                 <a:latin typeface="Calibri"/>
+                <a:ea typeface="DejaVu Sans"/>
               </a:rPr>
               <a:t>The statements contained within the [], {}, or () brackets do not need to use the line</a:t>
             </a:r>
@@ -5639,6 +5690,7 @@
                   <a:srgbClr val="000000"/>
                 </a:solidFill>
                 <a:latin typeface="Calibri"/>
+                <a:ea typeface="DejaVu Sans"/>
               </a:rPr>
               <a:t>continuation character</a:t>
             </a:r>
@@ -5648,6 +5700,7 @@
                   <a:srgbClr val="000000"/>
                 </a:solidFill>
                 <a:latin typeface="Calibri"/>
+                <a:ea typeface="DejaVu Sans"/>
               </a:rPr>
               <a:t>. For example</a:t>
             </a:r>
@@ -5673,6 +5726,7 @@
                   <a:srgbClr val="000000"/>
                 </a:solidFill>
                 <a:latin typeface="Calibri"/>
+                <a:ea typeface="DejaVu Sans"/>
               </a:rPr>
               <a:t> </a:t>
             </a:r>
@@ -5682,6 +5736,7 @@
                   <a:srgbClr val="000000"/>
                 </a:solidFill>
                 <a:latin typeface="Calibri"/>
+                <a:ea typeface="DejaVu Sans"/>
               </a:rPr>
               <a:t>days = ['Monday', 'Tuesday', 'Wednesday',</a:t>
             </a:r>
@@ -5692,6 +5747,7 @@
                   <a:srgbClr val="000000"/>
                 </a:solidFill>
                 <a:latin typeface="Calibri"/>
+                <a:ea typeface="DejaVu Sans"/>
               </a:rPr>
               <a:t>'Thursday', 'Friday']</a:t>
             </a:r>
@@ -5741,7 +5797,7 @@
         <p:spPr>
           <a:xfrm>
             <a:off x="838080" y="365040"/>
-            <a:ext cx="10514880" cy="1324800"/>
+            <a:ext cx="10514520" cy="1324440"/>
           </a:xfrm>
           <a:prstGeom prst="rect">
             <a:avLst/>
@@ -5773,6 +5829,7 @@
                   <a:srgbClr val="ff0000"/>
                 </a:solidFill>
                 <a:latin typeface="Calibri Light"/>
+                <a:ea typeface="DejaVu Sans"/>
               </a:rPr>
               <a:t>Quotation in Python</a:t>
             </a:r>
@@ -5792,7 +5849,7 @@
         <p:spPr>
           <a:xfrm>
             <a:off x="838080" y="1825560"/>
-            <a:ext cx="10514880" cy="4350600"/>
+            <a:ext cx="10514520" cy="4350240"/>
           </a:xfrm>
           <a:prstGeom prst="rect">
             <a:avLst/>
@@ -5813,7 +5870,7 @@
             <a:noAutofit/>
           </a:bodyPr>
           <a:p>
-            <a:pPr marL="228600" indent="-227880">
+            <a:pPr marL="228600" indent="-227520">
               <a:lnSpc>
                 <a:spcPct val="90000"/>
               </a:lnSpc>
@@ -5832,6 +5889,7 @@
                   <a:srgbClr val="000000"/>
                 </a:solidFill>
                 <a:latin typeface="Calibri"/>
+                <a:ea typeface="DejaVu Sans"/>
               </a:rPr>
               <a:t>Python accepts single ('), double (") and triple (''' or """) quotes to denote string literals , as long as the same type of quote starts and ends the string.</a:t>
             </a:r>
@@ -5840,7 +5898,7 @@
             </a:endParaRPr>
           </a:p>
           <a:p>
-            <a:pPr marL="228600" indent="-227880">
+            <a:pPr marL="228600" indent="-227520">
               <a:lnSpc>
                 <a:spcPct val="90000"/>
               </a:lnSpc>
@@ -5859,6 +5917,7 @@
                   <a:srgbClr val="000000"/>
                 </a:solidFill>
                 <a:latin typeface="Calibri"/>
+                <a:ea typeface="DejaVu Sans"/>
               </a:rPr>
               <a:t>The triple quotes are used to span the string across multiple lines. For example, all the following are legalword = 'word'</a:t>
             </a:r>
@@ -5869,6 +5928,7 @@
                   <a:srgbClr val="000000"/>
                 </a:solidFill>
                 <a:latin typeface="Calibri"/>
+                <a:ea typeface="DejaVu Sans"/>
               </a:rPr>
               <a:t>sentence = "This is a sentence."</a:t>
             </a:r>
@@ -5879,6 +5939,7 @@
                   <a:srgbClr val="000000"/>
                 </a:solidFill>
                 <a:latin typeface="Calibri"/>
+                <a:ea typeface="DejaVu Sans"/>
               </a:rPr>
               <a:t>Paragraph = """This is a paragraph. It is</a:t>
             </a:r>
@@ -5889,6 +5950,7 @@
                   <a:srgbClr val="000000"/>
                 </a:solidFill>
                 <a:latin typeface="Calibri"/>
+                <a:ea typeface="DejaVu Sans"/>
               </a:rPr>
               <a:t>made up of multiple lines and sentences."""</a:t>
             </a:r>
@@ -5937,7 +5999,7 @@
         <p:spPr>
           <a:xfrm>
             <a:off x="838080" y="365040"/>
-            <a:ext cx="10514880" cy="1324800"/>
+            <a:ext cx="10514520" cy="1324440"/>
           </a:xfrm>
           <a:prstGeom prst="rect">
             <a:avLst/>
@@ -5969,6 +6031,7 @@
                   <a:srgbClr val="ff0000"/>
                 </a:solidFill>
                 <a:latin typeface="Calibri Light"/>
+                <a:ea typeface="DejaVu Sans"/>
               </a:rPr>
               <a:t>Comments in Python</a:t>
             </a:r>
@@ -5987,7 +6050,7 @@
         <p:spPr>
           <a:xfrm>
             <a:off x="838080" y="1433160"/>
-            <a:ext cx="10514880" cy="5076360"/>
+            <a:ext cx="10514520" cy="5076000"/>
           </a:xfrm>
           <a:prstGeom prst="rect">
             <a:avLst/>
@@ -6008,7 +6071,7 @@
             <a:normAutofit fontScale="88000"/>
           </a:bodyPr>
           <a:p>
-            <a:pPr marL="228600" indent="-227880">
+            <a:pPr marL="228600" indent="-227520">
               <a:lnSpc>
                 <a:spcPct val="90000"/>
               </a:lnSpc>
@@ -6027,6 +6090,7 @@
                   <a:srgbClr val="000000"/>
                 </a:solidFill>
                 <a:latin typeface="Calibri"/>
+                <a:ea typeface="DejaVu Sans"/>
               </a:rPr>
               <a:t>A hash sign (#) that is not inside a string literal is the beginning of a comment. All characters after the #, up to the end of the physical line, are part of the comment and the Python interpreter ignores them.</a:t>
             </a:r>
@@ -6035,7 +6099,7 @@
             </a:endParaRPr>
           </a:p>
           <a:p>
-            <a:pPr marL="228600" indent="-227880">
+            <a:pPr marL="228600" indent="-227520">
               <a:lnSpc>
                 <a:spcPct val="90000"/>
               </a:lnSpc>
@@ -6054,6 +6118,7 @@
                   <a:srgbClr val="000000"/>
                 </a:solidFill>
                 <a:latin typeface="Calibri"/>
+                <a:ea typeface="DejaVu Sans"/>
               </a:rPr>
               <a:t>A statement between triple quotations (‘’’ ‘’’ and “”” “”””)  called as multiline comment. For example</a:t>
             </a:r>
@@ -6079,6 +6144,7 @@
                   <a:srgbClr val="000000"/>
                 </a:solidFill>
                 <a:latin typeface="Calibri"/>
+                <a:ea typeface="DejaVu Sans"/>
               </a:rPr>
               <a:t>‘’’ </a:t>
             </a:r>
@@ -6088,6 +6154,7 @@
                   <a:srgbClr val="000000"/>
                 </a:solidFill>
                 <a:latin typeface="Calibri"/>
+                <a:ea typeface="DejaVu Sans"/>
               </a:rPr>
               <a:t>this is a</a:t>
             </a:r>
@@ -6113,6 +6180,7 @@
                   <a:srgbClr val="000000"/>
                 </a:solidFill>
                 <a:latin typeface="Calibri"/>
+                <a:ea typeface="DejaVu Sans"/>
               </a:rPr>
               <a:t>  </a:t>
             </a:r>
@@ -6122,6 +6190,7 @@
                   <a:srgbClr val="000000"/>
                 </a:solidFill>
                 <a:latin typeface="Calibri"/>
+                <a:ea typeface="DejaVu Sans"/>
               </a:rPr>
               <a:t>Multiline comment’’’</a:t>
             </a:r>
@@ -6163,6 +6232,7 @@
                   <a:srgbClr val="000000"/>
                 </a:solidFill>
                 <a:latin typeface="Calibri"/>
+                <a:ea typeface="DejaVu Sans"/>
               </a:rPr>
               <a:t>“””</a:t>
             </a:r>
@@ -6172,6 +6242,7 @@
                   <a:srgbClr val="000000"/>
                 </a:solidFill>
                 <a:latin typeface="Calibri"/>
+                <a:ea typeface="DejaVu Sans"/>
               </a:rPr>
               <a:t>This is also </a:t>
             </a:r>
@@ -6197,6 +6268,7 @@
                   <a:srgbClr val="000000"/>
                 </a:solidFill>
                 <a:latin typeface="Calibri"/>
+                <a:ea typeface="DejaVu Sans"/>
               </a:rPr>
               <a:t>multiline</a:t>
             </a:r>
@@ -6222,6 +6294,7 @@
                   <a:srgbClr val="000000"/>
                 </a:solidFill>
                 <a:latin typeface="Calibri"/>
+                <a:ea typeface="DejaVu Sans"/>
               </a:rPr>
               <a:t> </a:t>
             </a:r>
@@ -6231,6 +6304,7 @@
                   <a:srgbClr val="000000"/>
                 </a:solidFill>
                 <a:latin typeface="Calibri"/>
+                <a:ea typeface="DejaVu Sans"/>
               </a:rPr>
               <a:t>comment”””</a:t>
             </a:r>
@@ -6295,7 +6369,7 @@
         <p:spPr>
           <a:xfrm>
             <a:off x="838080" y="365040"/>
-            <a:ext cx="10514880" cy="1324800"/>
+            <a:ext cx="10514520" cy="1324440"/>
           </a:xfrm>
           <a:prstGeom prst="rect">
             <a:avLst/>
@@ -6327,6 +6401,7 @@
                   <a:srgbClr val="ff0000"/>
                 </a:solidFill>
                 <a:latin typeface="Calibri Light"/>
+                <a:ea typeface="DejaVu Sans"/>
               </a:rPr>
               <a:t>Multiple Statements on a Single Line</a:t>
             </a:r>
@@ -6346,7 +6421,7 @@
         <p:spPr>
           <a:xfrm>
             <a:off x="838080" y="1825560"/>
-            <a:ext cx="10514880" cy="4350600"/>
+            <a:ext cx="10514520" cy="4350240"/>
           </a:xfrm>
           <a:prstGeom prst="rect">
             <a:avLst/>
@@ -6367,7 +6442,7 @@
             <a:noAutofit/>
           </a:bodyPr>
           <a:p>
-            <a:pPr marL="228600" indent="-227880">
+            <a:pPr marL="228600" indent="-227520">
               <a:lnSpc>
                 <a:spcPct val="90000"/>
               </a:lnSpc>
@@ -6386,6 +6461,7 @@
                   <a:srgbClr val="000000"/>
                 </a:solidFill>
                 <a:latin typeface="Calibri"/>
+                <a:ea typeface="DejaVu Sans"/>
               </a:rPr>
               <a:t>The semicolon ( ; ) allows multiple statements on a single line given that no statement starts a new code block. </a:t>
             </a:r>
@@ -6394,7 +6470,7 @@
             </a:endParaRPr>
           </a:p>
           <a:p>
-            <a:pPr marL="228600" indent="-227880">
+            <a:pPr marL="228600" indent="-227520">
               <a:lnSpc>
                 <a:spcPct val="90000"/>
               </a:lnSpc>
@@ -6413,6 +6489,7 @@
                   <a:srgbClr val="000000"/>
                 </a:solidFill>
                 <a:latin typeface="Calibri"/>
+                <a:ea typeface="DejaVu Sans"/>
               </a:rPr>
               <a:t>Here is a sample snip using the semicolon</a:t>
             </a:r>
@@ -6423,6 +6500,7 @@
                   <a:srgbClr val="000000"/>
                 </a:solidFill>
                 <a:latin typeface="Calibri"/>
+                <a:ea typeface="DejaVu Sans"/>
               </a:rPr>
               <a:t>	</a:t>
             </a:r>
@@ -6432,6 +6510,7 @@
                   <a:srgbClr val="000000"/>
                 </a:solidFill>
                 <a:latin typeface="Calibri"/>
+                <a:ea typeface="DejaVu Sans"/>
               </a:rPr>
               <a:t>import sys; x = 'foo'; sys.stdout.write(x + '\n').</a:t>
             </a:r>
@@ -6493,7 +6572,7 @@
         <p:spPr>
           <a:xfrm>
             <a:off x="838080" y="365040"/>
-            <a:ext cx="10514880" cy="1324800"/>
+            <a:ext cx="10514520" cy="1324440"/>
           </a:xfrm>
           <a:prstGeom prst="rect">
             <a:avLst/>
@@ -6525,6 +6604,7 @@
                   <a:srgbClr val="ff0000"/>
                 </a:solidFill>
                 <a:latin typeface="Calibri Light"/>
+                <a:ea typeface="DejaVu Sans"/>
               </a:rPr>
               <a:t>Multiple Assignment</a:t>
             </a:r>
@@ -6544,7 +6624,7 @@
         <p:spPr>
           <a:xfrm>
             <a:off x="0" y="1825560"/>
-            <a:ext cx="11886480" cy="4350600"/>
+            <a:ext cx="11886120" cy="4350240"/>
           </a:xfrm>
           <a:prstGeom prst="rect">
             <a:avLst/>
@@ -6565,7 +6645,7 @@
             <a:normAutofit/>
           </a:bodyPr>
           <a:p>
-            <a:pPr marL="228600" indent="-227880">
+            <a:pPr marL="228600" indent="-227520">
               <a:lnSpc>
                 <a:spcPct val="90000"/>
               </a:lnSpc>
@@ -6584,6 +6664,7 @@
                   <a:srgbClr val="000000"/>
                 </a:solidFill>
                 <a:latin typeface="Calibri"/>
+                <a:ea typeface="DejaVu Sans"/>
               </a:rPr>
               <a:t>Python allows you to assign a single value to several variables simultaneously.</a:t>
             </a:r>
@@ -6594,6 +6675,7 @@
                   <a:srgbClr val="000000"/>
                 </a:solidFill>
                 <a:latin typeface="Calibri"/>
+                <a:ea typeface="DejaVu Sans"/>
               </a:rPr>
               <a:t>For example a = b = c = 1</a:t>
             </a:r>
@@ -6604,6 +6686,7 @@
                   <a:srgbClr val="000000"/>
                 </a:solidFill>
                 <a:latin typeface="Calibri"/>
+                <a:ea typeface="DejaVu Sans"/>
               </a:rPr>
               <a:t>Here, an integer object is created with the value 1, and all the three variables are assigned to the same memory location. </a:t>
             </a:r>
@@ -6612,7 +6695,7 @@
             </a:endParaRPr>
           </a:p>
           <a:p>
-            <a:pPr marL="228600" indent="-227880">
+            <a:pPr marL="228600" indent="-227520">
               <a:lnSpc>
                 <a:spcPct val="90000"/>
               </a:lnSpc>
@@ -6631,6 +6714,7 @@
                   <a:srgbClr val="000000"/>
                 </a:solidFill>
                 <a:latin typeface="Calibri"/>
+                <a:ea typeface="DejaVu Sans"/>
               </a:rPr>
               <a:t>You can also assign multiple objects to multiple variables.</a:t>
             </a:r>
@@ -6656,6 +6740,7 @@
                   <a:srgbClr val="000000"/>
                 </a:solidFill>
                 <a:latin typeface="Calibri"/>
+                <a:ea typeface="DejaVu Sans"/>
               </a:rPr>
               <a:t>For example a, b, c = 1, 2, "john"</a:t>
             </a:r>
@@ -6666,6 +6751,7 @@
                   <a:srgbClr val="000000"/>
                 </a:solidFill>
                 <a:latin typeface="Calibri"/>
+                <a:ea typeface="DejaVu Sans"/>
               </a:rPr>
               <a:t>Here, two integer objects with values 1 and 2 are assigned to the variables a and b respectively, and one string object with the value "john" is assigned to the variable c.</a:t>
             </a:r>
@@ -6730,7 +6816,7 @@
         <p:spPr>
           <a:xfrm>
             <a:off x="838080" y="365040"/>
-            <a:ext cx="10514880" cy="1324800"/>
+            <a:ext cx="10514520" cy="1324440"/>
           </a:xfrm>
           <a:prstGeom prst="rect">
             <a:avLst/>
@@ -6762,6 +6848,7 @@
                   <a:srgbClr val="ff0000"/>
                 </a:solidFill>
                 <a:latin typeface="Calibri Light"/>
+                <a:ea typeface="DejaVu Sans"/>
               </a:rPr>
               <a:t>Python Identifiers</a:t>
             </a:r>
@@ -6781,7 +6868,7 @@
         <p:spPr>
           <a:xfrm>
             <a:off x="838080" y="1825560"/>
-            <a:ext cx="10514880" cy="4350600"/>
+            <a:ext cx="10514520" cy="4350240"/>
           </a:xfrm>
           <a:prstGeom prst="rect">
             <a:avLst/>
@@ -6802,7 +6889,7 @@
             <a:noAutofit/>
           </a:bodyPr>
           <a:p>
-            <a:pPr marL="228600" indent="-227880">
+            <a:pPr marL="228600" indent="-227520">
               <a:lnSpc>
                 <a:spcPct val="90000"/>
               </a:lnSpc>
@@ -6821,6 +6908,7 @@
                   <a:srgbClr val="000000"/>
                 </a:solidFill>
                 <a:latin typeface="Calibri"/>
+                <a:ea typeface="DejaVu Sans"/>
               </a:rPr>
               <a:t>A Python identifier is a name used to identify a variable, function, class, module or other object. </a:t>
             </a:r>
@@ -6829,7 +6917,7 @@
             </a:endParaRPr>
           </a:p>
           <a:p>
-            <a:pPr marL="228600" indent="-227880">
+            <a:pPr marL="228600" indent="-227520">
               <a:lnSpc>
                 <a:spcPct val="90000"/>
               </a:lnSpc>
@@ -6848,6 +6936,7 @@
                   <a:srgbClr val="000000"/>
                 </a:solidFill>
                 <a:latin typeface="Calibri"/>
+                <a:ea typeface="DejaVu Sans"/>
               </a:rPr>
               <a:t>An identifier starts with a letter A to Z or a to z or an underscore (_) followed by zero or more letters, underscores and digits (0 to 9).</a:t>
             </a:r>
@@ -6856,7 +6945,7 @@
             </a:endParaRPr>
           </a:p>
           <a:p>
-            <a:pPr marL="228600" indent="-227880">
+            <a:pPr marL="228600" indent="-227520">
               <a:lnSpc>
                 <a:spcPct val="90000"/>
               </a:lnSpc>
@@ -6875,6 +6964,7 @@
                   <a:srgbClr val="000000"/>
                 </a:solidFill>
                 <a:latin typeface="Calibri"/>
+                <a:ea typeface="DejaVu Sans"/>
               </a:rPr>
               <a:t>Python does not allow punctuation characters such as @, $, and % within identifiers.</a:t>
             </a:r>
@@ -6883,7 +6973,7 @@
             </a:endParaRPr>
           </a:p>
           <a:p>
-            <a:pPr marL="228600" indent="-227880">
+            <a:pPr marL="228600" indent="-227520">
               <a:lnSpc>
                 <a:spcPct val="90000"/>
               </a:lnSpc>
@@ -6902,6 +6992,7 @@
                   <a:srgbClr val="000000"/>
                 </a:solidFill>
                 <a:latin typeface="Calibri"/>
+                <a:ea typeface="DejaVu Sans"/>
               </a:rPr>
               <a:t>Python is a case sensitive programming language. Thus, </a:t>
             </a:r>
@@ -6911,6 +7002,7 @@
                   <a:srgbClr val="000000"/>
                 </a:solidFill>
                 <a:latin typeface="Calibri"/>
+                <a:ea typeface="DejaVu Sans"/>
               </a:rPr>
               <a:t>Manpower </a:t>
             </a:r>
@@ -6920,6 +7012,7 @@
                   <a:srgbClr val="000000"/>
                 </a:solidFill>
                 <a:latin typeface="Calibri"/>
+                <a:ea typeface="DejaVu Sans"/>
               </a:rPr>
               <a:t>and </a:t>
             </a:r>
@@ -6929,6 +7022,7 @@
                   <a:srgbClr val="000000"/>
                 </a:solidFill>
                 <a:latin typeface="Calibri"/>
+                <a:ea typeface="DejaVu Sans"/>
               </a:rPr>
               <a:t>manpower </a:t>
             </a:r>
@@ -6938,6 +7032,7 @@
                   <a:srgbClr val="000000"/>
                 </a:solidFill>
                 <a:latin typeface="Calibri"/>
+                <a:ea typeface="DejaVu Sans"/>
               </a:rPr>
               <a:t>are two different identifiers in Python. </a:t>
             </a:r>
@@ -6946,7 +7041,7 @@
             </a:endParaRPr>
           </a:p>
           <a:p>
-            <a:pPr marL="228600" indent="-227880">
+            <a:pPr marL="228600" indent="-227520">
               <a:lnSpc>
                 <a:spcPct val="90000"/>
               </a:lnSpc>
@@ -6965,6 +7060,7 @@
                   <a:srgbClr val="000000"/>
                 </a:solidFill>
                 <a:latin typeface="Calibri"/>
+                <a:ea typeface="DejaVu Sans"/>
               </a:rPr>
               <a:t>Don’t use inbuilt python keywords as python identifiers.</a:t>
             </a:r>
@@ -7026,7 +7122,7 @@
         <p:spPr>
           <a:xfrm>
             <a:off x="838080" y="228600"/>
-            <a:ext cx="10514880" cy="1324800"/>
+            <a:ext cx="10514520" cy="1324440"/>
           </a:xfrm>
           <a:prstGeom prst="rect">
             <a:avLst/>
@@ -7058,6 +7154,7 @@
                   <a:srgbClr val="ff0000"/>
                 </a:solidFill>
                 <a:latin typeface="Calibri Light"/>
+                <a:ea typeface="DejaVu Sans"/>
               </a:rPr>
               <a:t>Development Steps of Python</a:t>
             </a:r>
@@ -7077,7 +7174,7 @@
         <p:spPr>
           <a:xfrm>
             <a:off x="838080" y="1294920"/>
-            <a:ext cx="10514880" cy="4927680"/>
+            <a:ext cx="10514520" cy="4927320"/>
           </a:xfrm>
           <a:prstGeom prst="rect">
             <a:avLst/>
@@ -7098,7 +7195,7 @@
             <a:noAutofit/>
           </a:bodyPr>
           <a:p>
-            <a:pPr marL="228600" indent="-227880">
+            <a:pPr marL="228600" indent="-227520">
               <a:lnSpc>
                 <a:spcPct val="90000"/>
               </a:lnSpc>
@@ -7117,6 +7214,7 @@
                   <a:srgbClr val="000000"/>
                 </a:solidFill>
                 <a:latin typeface="Calibri"/>
+                <a:ea typeface="DejaVu Sans"/>
               </a:rPr>
               <a:t>Guido Van Rossum  ---- first version of Python code (version 0.9.0) ---February 20</a:t>
             </a:r>
@@ -7126,6 +7224,7 @@
                   <a:srgbClr val="000000"/>
                 </a:solidFill>
                 <a:latin typeface="Calibri"/>
+                <a:ea typeface="DejaVu Sans"/>
               </a:rPr>
               <a:t>th</a:t>
             </a:r>
@@ -7135,6 +7234,7 @@
                   <a:srgbClr val="000000"/>
                 </a:solidFill>
                 <a:latin typeface="Calibri"/>
+                <a:ea typeface="DejaVu Sans"/>
               </a:rPr>
               <a:t> 1991 ---- exception handling, functions, and the core data types of list, dict, str and others. It was also object oriented and had a module system. </a:t>
             </a:r>
@@ -7143,7 +7243,7 @@
             </a:endParaRPr>
           </a:p>
           <a:p>
-            <a:pPr marL="228600" indent="-227880">
+            <a:pPr marL="228600" indent="-227520">
               <a:lnSpc>
                 <a:spcPct val="90000"/>
               </a:lnSpc>
@@ -7162,6 +7262,7 @@
                   <a:srgbClr val="000000"/>
                 </a:solidFill>
                 <a:latin typeface="Calibri"/>
+                <a:ea typeface="DejaVu Sans"/>
               </a:rPr>
               <a:t>Python version 1.0 --- January 1994. --- functional programming tools lambda, map, filter and reduce. </a:t>
             </a:r>
@@ -7170,7 +7271,7 @@
             </a:endParaRPr>
           </a:p>
           <a:p>
-            <a:pPr marL="228600" indent="-227880">
+            <a:pPr marL="228600" indent="-227520">
               <a:lnSpc>
                 <a:spcPct val="90000"/>
               </a:lnSpc>
@@ -7189,6 +7290,7 @@
                   <a:srgbClr val="000000"/>
                 </a:solidFill>
                 <a:latin typeface="Calibri"/>
+                <a:ea typeface="DejaVu Sans"/>
               </a:rPr>
               <a:t>Python 2.0 ---- October 2000 --- list comprehensions, a full garbage collector and it was supporting Unicode. </a:t>
             </a:r>
@@ -7197,7 +7299,7 @@
             </a:endParaRPr>
           </a:p>
           <a:p>
-            <a:pPr marL="228600" indent="-227880">
+            <a:pPr marL="228600" indent="-227520">
               <a:lnSpc>
                 <a:spcPct val="90000"/>
               </a:lnSpc>
@@ -7216,6 +7318,7 @@
                   <a:srgbClr val="000000"/>
                 </a:solidFill>
                 <a:latin typeface="Calibri"/>
+                <a:ea typeface="DejaVu Sans"/>
               </a:rPr>
               <a:t>as Python 3.0 (also known as "Python 3000" and "Py3K") – 2008-- Python 3 is not backwards compatible with Python 2.x. Some changes in Python 3.0: </a:t>
             </a:r>
@@ -7227,6 +7330,7 @@
                   <a:srgbClr val="000000"/>
                 </a:solidFill>
                 <a:latin typeface="Calibri"/>
+                <a:ea typeface="DejaVu Sans"/>
               </a:rPr>
               <a:t> </a:t>
             </a:r>
@@ -7275,7 +7379,7 @@
         <p:spPr>
           <a:xfrm>
             <a:off x="838080" y="365040"/>
-            <a:ext cx="10514880" cy="1324800"/>
+            <a:ext cx="10514520" cy="1324440"/>
           </a:xfrm>
           <a:prstGeom prst="rect">
             <a:avLst/>
@@ -7307,6 +7411,7 @@
                   <a:srgbClr val="ff0000"/>
                 </a:solidFill>
                 <a:latin typeface="Calibri Light"/>
+                <a:ea typeface="DejaVu Sans"/>
               </a:rPr>
               <a:t>Naming conventions for Python identifiers</a:t>
             </a:r>
@@ -7325,7 +7430,7 @@
         <p:spPr>
           <a:xfrm>
             <a:off x="218520" y="1825560"/>
-            <a:ext cx="11667960" cy="4350600"/>
+            <a:ext cx="11667600" cy="4350240"/>
           </a:xfrm>
           <a:prstGeom prst="rect">
             <a:avLst/>
@@ -7346,7 +7451,7 @@
             <a:noAutofit/>
           </a:bodyPr>
           <a:p>
-            <a:pPr marL="228600" indent="-227880">
+            <a:pPr marL="228600" indent="-227520">
               <a:lnSpc>
                 <a:spcPct val="90000"/>
               </a:lnSpc>
@@ -7365,6 +7470,7 @@
                   <a:srgbClr val="000000"/>
                 </a:solidFill>
                 <a:latin typeface="Calibri"/>
+                <a:ea typeface="DejaVu Sans"/>
               </a:rPr>
               <a:t>Class names start with an uppercase letter. All other identifiers start with a lowercase letter.</a:t>
             </a:r>
@@ -7390,6 +7496,7 @@
                   <a:srgbClr val="000000"/>
                 </a:solidFill>
                 <a:latin typeface="Symbol"/>
+                <a:ea typeface="DejaVu Sans"/>
               </a:rPr>
               <a:t></a:t>
             </a:r>
@@ -7399,6 +7506,7 @@
                   <a:srgbClr val="000000"/>
                 </a:solidFill>
                 <a:latin typeface="Calibri"/>
+                <a:ea typeface="DejaVu Sans"/>
               </a:rPr>
               <a:t> </a:t>
             </a:r>
@@ -7408,6 +7516,7 @@
                   <a:srgbClr val="000000"/>
                 </a:solidFill>
                 <a:latin typeface="Calibri"/>
+                <a:ea typeface="DejaVu Sans"/>
               </a:rPr>
               <a:t>Starting an identifier with a single leading underscore indicates that the identifier is protected.</a:t>
             </a:r>
@@ -7433,6 +7542,7 @@
                   <a:srgbClr val="000000"/>
                 </a:solidFill>
                 <a:latin typeface="Symbol"/>
+                <a:ea typeface="DejaVu Sans"/>
               </a:rPr>
               <a:t></a:t>
             </a:r>
@@ -7442,6 +7552,7 @@
                   <a:srgbClr val="000000"/>
                 </a:solidFill>
                 <a:latin typeface="Calibri"/>
+                <a:ea typeface="DejaVu Sans"/>
               </a:rPr>
               <a:t> </a:t>
             </a:r>
@@ -7451,6 +7562,7 @@
                   <a:srgbClr val="000000"/>
                 </a:solidFill>
                 <a:latin typeface="Calibri"/>
+                <a:ea typeface="DejaVu Sans"/>
               </a:rPr>
               <a:t>Starting an identifier with two leading underscores indicates a strong private identifier.</a:t>
             </a:r>
@@ -7461,6 +7573,7 @@
                   <a:srgbClr val="000000"/>
                 </a:solidFill>
                 <a:latin typeface="Symbol"/>
+                <a:ea typeface="DejaVu Sans"/>
               </a:rPr>
               <a:t></a:t>
             </a:r>
@@ -7470,6 +7583,7 @@
                   <a:srgbClr val="000000"/>
                 </a:solidFill>
                 <a:latin typeface="Calibri"/>
+                <a:ea typeface="DejaVu Sans"/>
               </a:rPr>
               <a:t> If the identifier also ends with two trailing underscores, the identifier is a language defined special name.</a:t>
             </a:r>
@@ -7518,7 +7632,7 @@
         <p:spPr>
           <a:xfrm>
             <a:off x="838080" y="365040"/>
-            <a:ext cx="10514880" cy="1324800"/>
+            <a:ext cx="10514520" cy="1324440"/>
           </a:xfrm>
           <a:prstGeom prst="rect">
             <a:avLst/>
@@ -7550,6 +7664,7 @@
                   <a:srgbClr val="ff0000"/>
                 </a:solidFill>
                 <a:latin typeface="Calibri Light"/>
+                <a:ea typeface="DejaVu Sans"/>
               </a:rPr>
               <a:t>Reserved Words</a:t>
             </a:r>
@@ -7568,7 +7683,7 @@
         <p:spPr>
           <a:xfrm>
             <a:off x="838080" y="1487520"/>
-            <a:ext cx="10514880" cy="4994280"/>
+            <a:ext cx="10514520" cy="4993920"/>
           </a:xfrm>
           <a:prstGeom prst="rect">
             <a:avLst/>
@@ -7589,7 +7704,7 @@
             <a:normAutofit fontScale="45000"/>
           </a:bodyPr>
           <a:p>
-            <a:pPr marL="228600" indent="-227880">
+            <a:pPr marL="228600" indent="-227520">
               <a:lnSpc>
                 <a:spcPct val="90000"/>
               </a:lnSpc>
@@ -7608,6 +7723,7 @@
                   <a:srgbClr val="000000"/>
                 </a:solidFill>
                 <a:latin typeface="Calibri"/>
+                <a:ea typeface="DejaVu Sans"/>
               </a:rPr>
               <a:t>The following list shows the Python keywords. These are total 33 reserved words and you cannot use them as constants or variables or any other identifier names. All the Python keywords contain lowercase letters only, except 3 keywords .i.e. None, True, False</a:t>
             </a:r>
@@ -7616,7 +7732,7 @@
             </a:endParaRPr>
           </a:p>
           <a:p>
-            <a:pPr marL="228600" indent="-227880">
+            <a:pPr marL="228600" indent="-227520">
               <a:lnSpc>
                 <a:spcPct val="90000"/>
               </a:lnSpc>
@@ -7635,6 +7751,7 @@
                   <a:srgbClr val="000000"/>
                 </a:solidFill>
                 <a:latin typeface="Calibri"/>
+                <a:ea typeface="DejaVu Sans"/>
               </a:rPr>
               <a:t>and           exec         except</a:t>
             </a:r>
@@ -7645,6 +7762,7 @@
                   <a:srgbClr val="000000"/>
                 </a:solidFill>
                 <a:latin typeface="Calibri"/>
+                <a:ea typeface="DejaVu Sans"/>
               </a:rPr>
               <a:t>as              finally       or</a:t>
             </a:r>
@@ -7655,6 +7773,7 @@
                   <a:srgbClr val="000000"/>
                 </a:solidFill>
                 <a:latin typeface="Calibri"/>
+                <a:ea typeface="DejaVu Sans"/>
               </a:rPr>
               <a:t>assert       for             pass</a:t>
             </a:r>
@@ -7665,6 +7784,7 @@
                   <a:srgbClr val="000000"/>
                 </a:solidFill>
                 <a:latin typeface="Calibri"/>
+                <a:ea typeface="DejaVu Sans"/>
               </a:rPr>
               <a:t>break        from         print</a:t>
             </a:r>
@@ -7675,6 +7795,7 @@
                   <a:srgbClr val="000000"/>
                 </a:solidFill>
                 <a:latin typeface="Calibri"/>
+                <a:ea typeface="DejaVu Sans"/>
               </a:rPr>
               <a:t>class         global        raise</a:t>
             </a:r>
@@ -7685,6 +7806,7 @@
                   <a:srgbClr val="000000"/>
                 </a:solidFill>
                 <a:latin typeface="Calibri"/>
+                <a:ea typeface="DejaVu Sans"/>
               </a:rPr>
               <a:t>continue  if                return</a:t>
             </a:r>
@@ -7695,6 +7817,7 @@
                   <a:srgbClr val="000000"/>
                 </a:solidFill>
                 <a:latin typeface="Calibri"/>
+                <a:ea typeface="DejaVu Sans"/>
               </a:rPr>
               <a:t>def            import       try</a:t>
             </a:r>
@@ -7705,6 +7828,7 @@
                   <a:srgbClr val="000000"/>
                 </a:solidFill>
                 <a:latin typeface="Calibri"/>
+                <a:ea typeface="DejaVu Sans"/>
               </a:rPr>
               <a:t>del            in                while</a:t>
             </a:r>
@@ -7715,6 +7839,7 @@
                   <a:srgbClr val="000000"/>
                 </a:solidFill>
                 <a:latin typeface="Calibri"/>
+                <a:ea typeface="DejaVu Sans"/>
               </a:rPr>
               <a:t>elif            is                 with</a:t>
             </a:r>
@@ -7725,6 +7850,7 @@
                   <a:srgbClr val="000000"/>
                 </a:solidFill>
                 <a:latin typeface="Calibri"/>
+                <a:ea typeface="DejaVu Sans"/>
               </a:rPr>
               <a:t>else          lambda       yield</a:t>
             </a:r>
@@ -7750,6 +7876,7 @@
                   <a:srgbClr val="000000"/>
                 </a:solidFill>
                 <a:latin typeface="Calibri"/>
+                <a:ea typeface="DejaVu Sans"/>
               </a:rPr>
               <a:t>   </a:t>
             </a:r>
@@ -7759,6 +7886,7 @@
                   <a:srgbClr val="000000"/>
                 </a:solidFill>
                 <a:latin typeface="Calibri"/>
+                <a:ea typeface="DejaVu Sans"/>
               </a:rPr>
               <a:t>None        True            False    </a:t>
             </a:r>
@@ -7767,7 +7895,7 @@
             </a:endParaRPr>
           </a:p>
           <a:p>
-            <a:pPr marL="228600" indent="-227880">
+            <a:pPr marL="228600" indent="-227520">
               <a:lnSpc>
                 <a:spcPct val="90000"/>
               </a:lnSpc>
@@ -7789,6 +7917,7 @@
                   <a:srgbClr val="000000"/>
                 </a:solidFill>
                 <a:latin typeface="Calibri"/>
+                <a:ea typeface="DejaVu Sans"/>
               </a:rPr>
               <a:t>You can check this Reserved words as below</a:t>
             </a:r>
@@ -7814,6 +7943,7 @@
                   <a:srgbClr val="000000"/>
                 </a:solidFill>
                 <a:latin typeface="Calibri"/>
+                <a:ea typeface="DejaVu Sans"/>
               </a:rPr>
               <a:t>  </a:t>
             </a:r>
@@ -7823,6 +7953,7 @@
                   <a:srgbClr val="000000"/>
                 </a:solidFill>
                 <a:latin typeface="Calibri"/>
+                <a:ea typeface="DejaVu Sans"/>
               </a:rPr>
               <a:t>&gt;&gt;&gt; import keyword</a:t>
             </a:r>
@@ -7848,6 +7979,7 @@
                   <a:srgbClr val="000000"/>
                 </a:solidFill>
                 <a:latin typeface="Calibri"/>
+                <a:ea typeface="DejaVu Sans"/>
               </a:rPr>
               <a:t>&gt;&gt;&gt; print (keyword.kwlist)</a:t>
             </a:r>
@@ -7857,6 +7989,7 @@
                   <a:srgbClr val="000000"/>
                 </a:solidFill>
                 <a:latin typeface="Calibri"/>
+                <a:ea typeface="DejaVu Sans"/>
               </a:rPr>
               <a:t>	</a:t>
             </a:r>
@@ -7866,6 +7999,7 @@
                   <a:srgbClr val="000000"/>
                 </a:solidFill>
                 <a:latin typeface="Calibri"/>
+                <a:ea typeface="DejaVu Sans"/>
               </a:rPr>
               <a:t>	</a:t>
             </a:r>
@@ -7891,6 +8025,7 @@
                   <a:srgbClr val="000000"/>
                 </a:solidFill>
                 <a:latin typeface="Calibri"/>
+                <a:ea typeface="DejaVu Sans"/>
               </a:rPr>
               <a:t>	</a:t>
             </a:r>
@@ -7939,7 +8074,7 @@
         <p:spPr>
           <a:xfrm>
             <a:off x="838080" y="365040"/>
-            <a:ext cx="10514880" cy="1324800"/>
+            <a:ext cx="10514520" cy="1324440"/>
           </a:xfrm>
           <a:prstGeom prst="rect">
             <a:avLst/>
@@ -7971,6 +8106,7 @@
                   <a:srgbClr val="ff0000"/>
                 </a:solidFill>
                 <a:latin typeface="Calibri Light"/>
+                <a:ea typeface="DejaVu Sans"/>
               </a:rPr>
               <a:t>Getting Input from the User(input vs raw_input</a:t>
             </a:r>
@@ -7980,6 +8116,7 @@
                   <a:srgbClr val="000000"/>
                 </a:solidFill>
                 <a:latin typeface="Calibri Light"/>
+                <a:ea typeface="DejaVu Sans"/>
               </a:rPr>
               <a:t>)</a:t>
             </a:r>
@@ -7999,7 +8136,7 @@
         <p:spPr>
           <a:xfrm>
             <a:off x="838080" y="1690560"/>
-            <a:ext cx="10514880" cy="5267160"/>
+            <a:ext cx="10514520" cy="5266800"/>
           </a:xfrm>
           <a:prstGeom prst="rect">
             <a:avLst/>
@@ -8017,10 +8154,10 @@
         </p:style>
         <p:txBody>
           <a:bodyPr lIns="90000" rIns="90000" tIns="45000" bIns="45000">
-            <a:normAutofit fontScale="53000"/>
-          </a:bodyPr>
-          <a:p>
-            <a:pPr marL="228600" indent="-227880">
+            <a:normAutofit fontScale="55000"/>
+          </a:bodyPr>
+          <a:p>
+            <a:pPr marL="228600" indent="-227520">
               <a:lnSpc>
                 <a:spcPct val="90000"/>
               </a:lnSpc>
@@ -8039,6 +8176,7 @@
                   <a:srgbClr val="000000"/>
                 </a:solidFill>
                 <a:latin typeface="Calibri"/>
+                <a:ea typeface="DejaVu Sans"/>
               </a:rPr>
               <a:t>Python 2 has two versions of input functions, </a:t>
             </a:r>
@@ -8048,6 +8186,7 @@
                   <a:srgbClr val="000000"/>
                 </a:solidFill>
                 <a:latin typeface="Calibri"/>
+                <a:ea typeface="DejaVu Sans"/>
               </a:rPr>
               <a:t>input() </a:t>
             </a:r>
@@ -8057,6 +8196,7 @@
                   <a:srgbClr val="000000"/>
                 </a:solidFill>
                 <a:latin typeface="Calibri"/>
+                <a:ea typeface="DejaVu Sans"/>
               </a:rPr>
               <a:t>and </a:t>
             </a:r>
@@ -8066,6 +8206,7 @@
                   <a:srgbClr val="000000"/>
                 </a:solidFill>
                 <a:latin typeface="Calibri"/>
+                <a:ea typeface="DejaVu Sans"/>
               </a:rPr>
               <a:t>raw_input()</a:t>
             </a:r>
@@ -8075,6 +8216,7 @@
                   <a:srgbClr val="000000"/>
                 </a:solidFill>
                 <a:latin typeface="Calibri"/>
+                <a:ea typeface="DejaVu Sans"/>
               </a:rPr>
               <a:t>.</a:t>
             </a:r>
@@ -8099,7 +8241,7 @@
             </a:endParaRPr>
           </a:p>
           <a:p>
-            <a:pPr marL="228600" indent="-227880">
+            <a:pPr marL="228600" indent="-227520">
               <a:lnSpc>
                 <a:spcPct val="90000"/>
               </a:lnSpc>
@@ -8121,6 +8263,7 @@
                   <a:srgbClr val="000000"/>
                 </a:solidFill>
                 <a:latin typeface="Calibri"/>
+                <a:ea typeface="DejaVu Sans"/>
               </a:rPr>
               <a:t>The input() function treats the received data as string if it is included in quotes '' or "", otherwise the data is treated as number.</a:t>
             </a:r>
@@ -8145,7 +8288,7 @@
             </a:endParaRPr>
           </a:p>
           <a:p>
-            <a:pPr marL="228600" indent="-227880">
+            <a:pPr marL="228600" indent="-227520">
               <a:lnSpc>
                 <a:spcPct val="90000"/>
               </a:lnSpc>
@@ -8167,6 +8310,7 @@
                   <a:srgbClr val="000000"/>
                 </a:solidFill>
                 <a:latin typeface="Calibri"/>
+                <a:ea typeface="DejaVu Sans"/>
               </a:rPr>
               <a:t>In Python 3, raw_input() function is deprecated. Further, the received data is always treated as string.</a:t>
             </a:r>
@@ -8235,7 +8379,7 @@
         <p:spPr>
           <a:xfrm>
             <a:off x="586800" y="805320"/>
-            <a:ext cx="11094840" cy="6051960"/>
+            <a:ext cx="11094480" cy="6051600"/>
           </a:xfrm>
           <a:prstGeom prst="rect">
             <a:avLst/>
@@ -8273,6 +8417,7 @@
                   <a:srgbClr val="ff0000"/>
                 </a:solidFill>
                 <a:latin typeface="Calibri"/>
+                <a:ea typeface="DejaVu Sans"/>
               </a:rPr>
               <a:t>In Python 2</a:t>
             </a:r>
@@ -8282,7 +8427,7 @@
             </a:endParaRPr>
           </a:p>
           <a:p>
-            <a:pPr marL="228600" indent="-227880">
+            <a:pPr marL="228600" indent="-227520">
               <a:lnSpc>
                 <a:spcPct val="90000"/>
               </a:lnSpc>
@@ -8304,6 +8449,7 @@
                   <a:srgbClr val="000000"/>
                 </a:solidFill>
                 <a:latin typeface="Calibri"/>
+                <a:ea typeface="DejaVu Sans"/>
               </a:rPr>
               <a:t>&gt;&gt;&gt; x=input('something:')</a:t>
             </a:r>
@@ -8314,6 +8460,7 @@
                   <a:srgbClr val="000000"/>
                 </a:solidFill>
                 <a:latin typeface="Calibri"/>
+                <a:ea typeface="DejaVu Sans"/>
               </a:rPr>
               <a:t>something:10 #entered data is treated as number.</a:t>
             </a:r>
@@ -8322,7 +8469,7 @@
             </a:endParaRPr>
           </a:p>
           <a:p>
-            <a:pPr marL="228600" indent="-227880">
+            <a:pPr marL="228600" indent="-227520">
               <a:lnSpc>
                 <a:spcPct val="90000"/>
               </a:lnSpc>
@@ -8344,6 +8491,7 @@
                   <a:srgbClr val="000000"/>
                 </a:solidFill>
                 <a:latin typeface="Calibri"/>
+                <a:ea typeface="DejaVu Sans"/>
               </a:rPr>
               <a:t>&gt;&gt;&gt; x=input('something:')</a:t>
             </a:r>
@@ -8354,6 +8502,7 @@
                   <a:srgbClr val="000000"/>
                 </a:solidFill>
                 <a:latin typeface="Calibri"/>
+                <a:ea typeface="DejaVu Sans"/>
               </a:rPr>
               <a:t>something:'10' #entered data is treated as string.</a:t>
             </a:r>
@@ -8362,7 +8511,7 @@
             </a:endParaRPr>
           </a:p>
           <a:p>
-            <a:pPr marL="228600" indent="-227880">
+            <a:pPr marL="228600" indent="-227520">
               <a:lnSpc>
                 <a:spcPct val="90000"/>
               </a:lnSpc>
@@ -8384,6 +8533,7 @@
                   <a:srgbClr val="000000"/>
                 </a:solidFill>
                 <a:latin typeface="Calibri"/>
+                <a:ea typeface="DejaVu Sans"/>
               </a:rPr>
               <a:t>x=raw_input("something:")</a:t>
             </a:r>
@@ -8394,6 +8544,7 @@
                   <a:srgbClr val="000000"/>
                 </a:solidFill>
                 <a:latin typeface="Calibri"/>
+                <a:ea typeface="DejaVu Sans"/>
               </a:rPr>
               <a:t>something:10 #entered data is treated as string even without '‘.</a:t>
             </a:r>
@@ -8402,7 +8553,7 @@
             </a:endParaRPr>
           </a:p>
           <a:p>
-            <a:pPr marL="228600" indent="-227880">
+            <a:pPr marL="228600" indent="-227520">
               <a:lnSpc>
                 <a:spcPct val="90000"/>
               </a:lnSpc>
@@ -8424,6 +8575,7 @@
                   <a:srgbClr val="000000"/>
                 </a:solidFill>
                 <a:latin typeface="Calibri"/>
+                <a:ea typeface="DejaVu Sans"/>
               </a:rPr>
               <a:t>x=raw_input("something:")</a:t>
             </a:r>
@@ -8434,6 +8586,7 @@
                   <a:srgbClr val="000000"/>
                 </a:solidFill>
                 <a:latin typeface="Calibri"/>
+                <a:ea typeface="DejaVu Sans"/>
               </a:rPr>
               <a:t>something:'10' #entered data treated as string including '</a:t>
             </a:r>
@@ -8443,6 +8596,7 @@
                   <a:srgbClr val="000000"/>
                 </a:solidFill>
                 <a:latin typeface="Calibri"/>
+                <a:ea typeface="DejaVu Sans"/>
               </a:rPr>
               <a:t>'</a:t>
             </a:r>
@@ -8453,6 +8607,7 @@
                   <a:srgbClr val="000000"/>
                 </a:solidFill>
                 <a:latin typeface="Calibri"/>
+                <a:ea typeface="DejaVu Sans"/>
               </a:rPr>
               <a:t> </a:t>
             </a:r>
@@ -8501,7 +8656,7 @@
         <p:spPr>
           <a:xfrm>
             <a:off x="838080" y="559440"/>
-            <a:ext cx="10514880" cy="5908680"/>
+            <a:ext cx="10514520" cy="5908320"/>
           </a:xfrm>
           <a:prstGeom prst="rect">
             <a:avLst/>
@@ -8522,7 +8677,7 @@
             <a:normAutofit/>
           </a:bodyPr>
           <a:p>
-            <a:pPr marL="228600" indent="-227880">
+            <a:pPr marL="228600" indent="-227520">
               <a:lnSpc>
                 <a:spcPct val="90000"/>
               </a:lnSpc>
@@ -8541,6 +8696,7 @@
                   <a:srgbClr val="ff0000"/>
                 </a:solidFill>
                 <a:latin typeface="Calibri"/>
+                <a:ea typeface="DejaVu Sans"/>
               </a:rPr>
               <a:t>In Python 3</a:t>
             </a:r>
@@ -8551,6 +8707,7 @@
                   <a:srgbClr val="ff0000"/>
                 </a:solidFill>
                 <a:latin typeface="Calibri"/>
+                <a:ea typeface="DejaVu Sans"/>
               </a:rPr>
               <a:t> </a:t>
             </a:r>
@@ -8559,7 +8716,7 @@
             </a:endParaRPr>
           </a:p>
           <a:p>
-            <a:pPr marL="228600" indent="-227880">
+            <a:pPr marL="228600" indent="-227520">
               <a:lnSpc>
                 <a:spcPct val="90000"/>
               </a:lnSpc>
@@ -8578,6 +8735,7 @@
                   <a:srgbClr val="000000"/>
                 </a:solidFill>
                 <a:latin typeface="Calibri"/>
+                <a:ea typeface="DejaVu Sans"/>
               </a:rPr>
               <a:t>&gt;&gt;&gt; x=input("something:")</a:t>
             </a:r>
@@ -8588,6 +8746,7 @@
                   <a:srgbClr val="000000"/>
                 </a:solidFill>
                 <a:latin typeface="Calibri"/>
+                <a:ea typeface="DejaVu Sans"/>
               </a:rPr>
               <a:t>something:'10' #entered data treated as string with or without '‘.</a:t>
             </a:r>
@@ -8596,7 +8755,7 @@
             </a:endParaRPr>
           </a:p>
           <a:p>
-            <a:pPr marL="228600" indent="-227880">
+            <a:pPr marL="228600" indent="-227520">
               <a:lnSpc>
                 <a:spcPct val="90000"/>
               </a:lnSpc>
@@ -8615,6 +8774,7 @@
                   <a:srgbClr val="000000"/>
                 </a:solidFill>
                 <a:latin typeface="Calibri"/>
+                <a:ea typeface="DejaVu Sans"/>
               </a:rPr>
               <a:t>x=raw_input("something:") # will result NameError</a:t>
             </a:r>
@@ -8625,6 +8785,7 @@
                   <a:srgbClr val="000000"/>
                 </a:solidFill>
                 <a:latin typeface="Calibri"/>
+                <a:ea typeface="DejaVu Sans"/>
               </a:rPr>
               <a:t>Traceback (most recent call last):</a:t>
             </a:r>
@@ -8635,6 +8796,7 @@
                   <a:srgbClr val="000000"/>
                 </a:solidFill>
                 <a:latin typeface="Calibri"/>
+                <a:ea typeface="DejaVu Sans"/>
               </a:rPr>
               <a:t>File "", line 1, in</a:t>
             </a:r>
@@ -8645,6 +8807,7 @@
                   <a:srgbClr val="000000"/>
                 </a:solidFill>
                 <a:latin typeface="Calibri"/>
+                <a:ea typeface="DejaVu Sans"/>
               </a:rPr>
               <a:t>x=raw_input("something:")</a:t>
             </a:r>
@@ -8655,6 +8818,7 @@
                   <a:srgbClr val="000000"/>
                 </a:solidFill>
                 <a:latin typeface="Calibri"/>
+                <a:ea typeface="DejaVu Sans"/>
               </a:rPr>
               <a:t>NameError: name 'raw_input' is not defined</a:t>
             </a:r>
@@ -8666,6 +8830,7 @@
                   <a:srgbClr val="000000"/>
                 </a:solidFill>
                 <a:latin typeface="Calibri"/>
+                <a:ea typeface="DejaVu Sans"/>
               </a:rPr>
               <a:t> </a:t>
             </a:r>
@@ -8714,7 +8879,7 @@
         <p:spPr>
           <a:xfrm>
             <a:off x="838080" y="365040"/>
-            <a:ext cx="10514880" cy="1324800"/>
+            <a:ext cx="10514520" cy="1324440"/>
           </a:xfrm>
           <a:prstGeom prst="rect">
             <a:avLst/>
@@ -8746,6 +8911,7 @@
                   <a:srgbClr val="ff0000"/>
                 </a:solidFill>
                 <a:latin typeface="Calibri Light"/>
+                <a:ea typeface="DejaVu Sans"/>
               </a:rPr>
               <a:t>range () and xrange() function</a:t>
             </a:r>
@@ -8764,7 +8930,7 @@
         <p:spPr>
           <a:xfrm>
             <a:off x="838080" y="1825560"/>
-            <a:ext cx="10514880" cy="4350600"/>
+            <a:ext cx="10514520" cy="4350240"/>
           </a:xfrm>
           <a:prstGeom prst="rect">
             <a:avLst/>
@@ -8785,7 +8951,7 @@
             <a:noAutofit/>
           </a:bodyPr>
           <a:p>
-            <a:pPr marL="228600" indent="-227880">
+            <a:pPr marL="228600" indent="-227520">
               <a:lnSpc>
                 <a:spcPct val="90000"/>
               </a:lnSpc>
@@ -8804,6 +8970,7 @@
                   <a:srgbClr val="000000"/>
                 </a:solidFill>
                 <a:latin typeface="Calibri"/>
+                <a:ea typeface="DejaVu Sans"/>
               </a:rPr>
               <a:t>In Python 2 range() returns a list, and xrange() returns an object that will only generate the items in the range when needed, saving memory.</a:t>
             </a:r>
@@ -8812,7 +8979,7 @@
             </a:endParaRPr>
           </a:p>
           <a:p>
-            <a:pPr marL="228600" indent="-227880">
+            <a:pPr marL="228600" indent="-227520">
               <a:lnSpc>
                 <a:spcPct val="90000"/>
               </a:lnSpc>
@@ -8831,6 +8998,7 @@
                   <a:srgbClr val="000000"/>
                 </a:solidFill>
                 <a:latin typeface="Calibri"/>
+                <a:ea typeface="DejaVu Sans"/>
               </a:rPr>
               <a:t>In Python 3, the range() function is removed, and xrange() has been renamed as range().</a:t>
             </a:r>
@@ -8839,7 +9007,7 @@
             </a:endParaRPr>
           </a:p>
           <a:p>
-            <a:pPr marL="228600" indent="-227880">
+            <a:pPr marL="228600" indent="-227520">
               <a:lnSpc>
                 <a:spcPct val="90000"/>
               </a:lnSpc>
@@ -8858,6 +9026,7 @@
                   <a:srgbClr val="000000"/>
                 </a:solidFill>
                 <a:latin typeface="Calibri"/>
+                <a:ea typeface="DejaVu Sans"/>
               </a:rPr>
               <a:t>In addition, the range() object supports slicing in Python 3.2 and later versions.</a:t>
             </a:r>
@@ -8869,6 +9038,7 @@
                   <a:srgbClr val="000000"/>
                 </a:solidFill>
                 <a:latin typeface="Calibri"/>
+                <a:ea typeface="DejaVu Sans"/>
               </a:rPr>
               <a:t> </a:t>
             </a:r>
@@ -8917,7 +9087,7 @@
         <p:spPr>
           <a:xfrm>
             <a:off x="783720" y="354960"/>
-            <a:ext cx="10514880" cy="6086160"/>
+            <a:ext cx="10514520" cy="6085800"/>
           </a:xfrm>
           <a:prstGeom prst="rect">
             <a:avLst/>
@@ -8938,7 +9108,7 @@
             <a:normAutofit fontScale="78000"/>
           </a:bodyPr>
           <a:p>
-            <a:pPr marL="228600" indent="-227880">
+            <a:pPr marL="228600" indent="-227520">
               <a:lnSpc>
                 <a:spcPct val="90000"/>
               </a:lnSpc>
@@ -8957,6 +9127,7 @@
                   <a:srgbClr val="ff0000"/>
                 </a:solidFill>
                 <a:latin typeface="Calibri"/>
+                <a:ea typeface="DejaVu Sans"/>
               </a:rPr>
               <a:t>In Python 2</a:t>
             </a:r>
@@ -8982,6 +9153,7 @@
                   <a:srgbClr val="000000"/>
                 </a:solidFill>
                 <a:latin typeface="Calibri"/>
+                <a:ea typeface="DejaVu Sans"/>
               </a:rPr>
               <a:t>x=range(10)</a:t>
             </a:r>
@@ -9007,6 +9179,7 @@
                   <a:srgbClr val="000000"/>
                 </a:solidFill>
                 <a:latin typeface="Calibri"/>
+                <a:ea typeface="DejaVu Sans"/>
               </a:rPr>
               <a:t>&gt;&gt;&gt; type(x)</a:t>
             </a:r>
@@ -9032,6 +9205,7 @@
                   <a:srgbClr val="000000"/>
                 </a:solidFill>
                 <a:latin typeface="Calibri"/>
+                <a:ea typeface="DejaVu Sans"/>
               </a:rPr>
               <a:t>&lt;type 'list'&gt;</a:t>
             </a:r>
@@ -9057,6 +9231,7 @@
                   <a:srgbClr val="000000"/>
                 </a:solidFill>
                 <a:latin typeface="Calibri"/>
+                <a:ea typeface="DejaVu Sans"/>
               </a:rPr>
               <a:t>&gt;&gt;&gt; x=xrange(10)</a:t>
             </a:r>
@@ -9082,6 +9257,7 @@
                   <a:srgbClr val="000000"/>
                 </a:solidFill>
                 <a:latin typeface="Calibri"/>
+                <a:ea typeface="DejaVu Sans"/>
               </a:rPr>
               <a:t>&gt;&gt;&gt; type(x)</a:t>
             </a:r>
@@ -9107,6 +9283,7 @@
                   <a:srgbClr val="000000"/>
                 </a:solidFill>
                 <a:latin typeface="Calibri"/>
+                <a:ea typeface="DejaVu Sans"/>
               </a:rPr>
               <a:t>&lt;type 'xrange'&gt;</a:t>
             </a:r>
@@ -9115,7 +9292,7 @@
             </a:endParaRPr>
           </a:p>
           <a:p>
-            <a:pPr marL="228600" indent="-227880">
+            <a:pPr marL="228600" indent="-227520">
               <a:lnSpc>
                 <a:spcPct val="90000"/>
               </a:lnSpc>
@@ -9137,6 +9314,7 @@
                   <a:srgbClr val="ff0000"/>
                 </a:solidFill>
                 <a:latin typeface="Calibri"/>
+                <a:ea typeface="DejaVu Sans"/>
               </a:rPr>
               <a:t>In Python 3</a:t>
             </a:r>
@@ -9162,6 +9340,7 @@
                   <a:srgbClr val="000000"/>
                 </a:solidFill>
                 <a:latin typeface="Calibri"/>
+                <a:ea typeface="DejaVu Sans"/>
               </a:rPr>
               <a:t>&gt;&gt;&gt; x=range(10)</a:t>
             </a:r>
@@ -9187,6 +9366,7 @@
                   <a:srgbClr val="000000"/>
                 </a:solidFill>
                 <a:latin typeface="Calibri"/>
+                <a:ea typeface="DejaVu Sans"/>
               </a:rPr>
               <a:t>&gt;&gt;&gt; type(x)</a:t>
             </a:r>
@@ -9212,6 +9392,7 @@
                   <a:srgbClr val="000000"/>
                 </a:solidFill>
                 <a:latin typeface="Calibri"/>
+                <a:ea typeface="DejaVu Sans"/>
               </a:rPr>
               <a:t>&lt;class 'range'&gt;</a:t>
             </a:r>
@@ -9237,6 +9418,7 @@
                   <a:srgbClr val="000000"/>
                 </a:solidFill>
                 <a:latin typeface="Calibri"/>
+                <a:ea typeface="DejaVu Sans"/>
               </a:rPr>
               <a:t>&gt;&gt;&gt; x=xrange(10)</a:t>
             </a:r>
@@ -9262,6 +9444,7 @@
                   <a:srgbClr val="000000"/>
                 </a:solidFill>
                 <a:latin typeface="Calibri"/>
+                <a:ea typeface="DejaVu Sans"/>
               </a:rPr>
               <a:t>Traceback (most recent call last):</a:t>
             </a:r>
@@ -9287,6 +9470,7 @@
                   <a:srgbClr val="000000"/>
                 </a:solidFill>
                 <a:latin typeface="Calibri"/>
+                <a:ea typeface="DejaVu Sans"/>
               </a:rPr>
               <a:t>  </a:t>
             </a:r>
@@ -9296,6 +9480,7 @@
                   <a:srgbClr val="000000"/>
                 </a:solidFill>
                 <a:latin typeface="Calibri"/>
+                <a:ea typeface="DejaVu Sans"/>
               </a:rPr>
               <a:t>File "&lt;pyshell#2&gt;", line 1, in &lt;module&gt;</a:t>
             </a:r>
@@ -9321,6 +9506,7 @@
                   <a:srgbClr val="000000"/>
                 </a:solidFill>
                 <a:latin typeface="Calibri"/>
+                <a:ea typeface="DejaVu Sans"/>
               </a:rPr>
               <a:t>    </a:t>
             </a:r>
@@ -9330,6 +9516,7 @@
                   <a:srgbClr val="000000"/>
                 </a:solidFill>
                 <a:latin typeface="Calibri"/>
+                <a:ea typeface="DejaVu Sans"/>
               </a:rPr>
               <a:t>x=xrange(10)</a:t>
             </a:r>
@@ -9355,6 +9542,7 @@
                   <a:srgbClr val="000000"/>
                 </a:solidFill>
                 <a:latin typeface="Calibri"/>
+                <a:ea typeface="DejaVu Sans"/>
               </a:rPr>
               <a:t>NameError: name 'xrange' is not defined</a:t>
             </a:r>
@@ -9419,7 +9607,7 @@
         <p:spPr>
           <a:xfrm>
             <a:off x="648000" y="0"/>
-            <a:ext cx="10514880" cy="1324800"/>
+            <a:ext cx="10514520" cy="1324440"/>
           </a:xfrm>
           <a:prstGeom prst="rect">
             <a:avLst/>
@@ -9451,6 +9639,7 @@
                   <a:srgbClr val="ff0000"/>
                 </a:solidFill>
                 <a:latin typeface="Calibri Light"/>
+                <a:ea typeface="DejaVu Sans"/>
               </a:rPr>
               <a:t>Python’s range() function parameters</a:t>
             </a:r>
@@ -9469,7 +9658,7 @@
         <p:spPr>
           <a:xfrm>
             <a:off x="1004760" y="1409040"/>
-            <a:ext cx="10514880" cy="4350600"/>
+            <a:ext cx="10514520" cy="4350240"/>
           </a:xfrm>
           <a:prstGeom prst="rect">
             <a:avLst/>
@@ -9490,7 +9679,7 @@
             <a:noAutofit/>
           </a:bodyPr>
           <a:p>
-            <a:pPr marL="228600" indent="-227880">
+            <a:pPr marL="228600" indent="-227520">
               <a:lnSpc>
                 <a:spcPct val="90000"/>
               </a:lnSpc>
@@ -9509,6 +9698,7 @@
                   <a:srgbClr val="000000"/>
                 </a:solidFill>
                 <a:latin typeface="Calibri"/>
+                <a:ea typeface="DejaVu Sans"/>
               </a:rPr>
               <a:t>The range() function has two set of parameters , as follows:</a:t>
             </a:r>
@@ -9534,6 +9724,7 @@
                   <a:srgbClr val="000000"/>
                 </a:solidFill>
                 <a:latin typeface="Calibri"/>
+                <a:ea typeface="DejaVu Sans"/>
               </a:rPr>
               <a:t>   </a:t>
             </a:r>
@@ -9543,6 +9734,7 @@
                   <a:srgbClr val="000000"/>
                 </a:solidFill>
                 <a:latin typeface="Wingdings"/>
+                <a:ea typeface="DejaVu Sans"/>
               </a:rPr>
               <a:t></a:t>
             </a:r>
@@ -9552,6 +9744,7 @@
                   <a:srgbClr val="000000"/>
                 </a:solidFill>
                 <a:latin typeface="Calibri"/>
+                <a:ea typeface="DejaVu Sans"/>
               </a:rPr>
               <a:t> </a:t>
             </a:r>
@@ -9561,6 +9754,7 @@
                   <a:srgbClr val="000000"/>
                 </a:solidFill>
                 <a:latin typeface="Calibri"/>
+                <a:ea typeface="DejaVu Sans"/>
               </a:rPr>
               <a:t>range(stop)</a:t>
             </a:r>
@@ -9586,6 +9780,7 @@
                   <a:srgbClr val="000000"/>
                 </a:solidFill>
                 <a:latin typeface="Calibri"/>
+                <a:ea typeface="DejaVu Sans"/>
               </a:rPr>
               <a:t>-- stop: Number of integers (whole numbers) to generate , starting from zero. E.g. range(5) == [0,1,2,3,4]</a:t>
             </a:r>
@@ -9611,6 +9806,7 @@
                   <a:srgbClr val="000000"/>
                 </a:solidFill>
                 <a:latin typeface="Calibri"/>
+                <a:ea typeface="DejaVu Sans"/>
               </a:rPr>
               <a:t>  </a:t>
             </a:r>
@@ -9620,6 +9816,7 @@
                   <a:srgbClr val="000000"/>
                 </a:solidFill>
                 <a:latin typeface="Wingdings"/>
+                <a:ea typeface="DejaVu Sans"/>
               </a:rPr>
               <a:t></a:t>
             </a:r>
@@ -9629,6 +9826,7 @@
                   <a:srgbClr val="000000"/>
                 </a:solidFill>
                 <a:latin typeface="Calibri"/>
+                <a:ea typeface="DejaVu Sans"/>
               </a:rPr>
               <a:t> </a:t>
             </a:r>
@@ -9638,6 +9836,7 @@
                   <a:srgbClr val="000000"/>
                 </a:solidFill>
                 <a:latin typeface="Calibri"/>
+                <a:ea typeface="DejaVu Sans"/>
               </a:rPr>
               <a:t>range([start],stop [,step])</a:t>
             </a:r>
@@ -9663,6 +9862,7 @@
                   <a:srgbClr val="000000"/>
                 </a:solidFill>
                 <a:latin typeface="Calibri"/>
+                <a:ea typeface="DejaVu Sans"/>
               </a:rPr>
               <a:t>-- start: Starting number of the sequence.</a:t>
             </a:r>
@@ -9688,6 +9888,7 @@
                   <a:srgbClr val="000000"/>
                 </a:solidFill>
                 <a:latin typeface="Calibri"/>
+                <a:ea typeface="DejaVu Sans"/>
               </a:rPr>
               <a:t>-- stop: Generate numbers up to ,but not include this number.</a:t>
             </a:r>
@@ -9713,6 +9914,7 @@
                   <a:srgbClr val="000000"/>
                 </a:solidFill>
                 <a:latin typeface="Calibri"/>
+                <a:ea typeface="DejaVu Sans"/>
               </a:rPr>
               <a:t>-- step: Difference between the each number in the sequence.</a:t>
             </a:r>
@@ -9761,7 +9963,7 @@
         <p:spPr>
           <a:xfrm>
             <a:off x="838080" y="136440"/>
-            <a:ext cx="10514880" cy="6039720"/>
+            <a:ext cx="10514520" cy="6039360"/>
           </a:xfrm>
           <a:prstGeom prst="rect">
             <a:avLst/>
@@ -9799,6 +10001,7 @@
                   <a:srgbClr val="000000"/>
                 </a:solidFill>
                 <a:latin typeface="Wingdings"/>
+                <a:ea typeface="DejaVu Sans"/>
               </a:rPr>
               <a:t></a:t>
             </a:r>
@@ -9808,6 +10011,7 @@
                   <a:srgbClr val="000000"/>
                 </a:solidFill>
                 <a:latin typeface="Calibri"/>
+                <a:ea typeface="DejaVu Sans"/>
               </a:rPr>
               <a:t>Note that :</a:t>
             </a:r>
@@ -9816,7 +10020,7 @@
             </a:endParaRPr>
           </a:p>
           <a:p>
-            <a:pPr marL="228600" indent="-227880">
+            <a:pPr marL="228600" indent="-227520">
               <a:lnSpc>
                 <a:spcPct val="90000"/>
               </a:lnSpc>
@@ -9838,6 +10042,7 @@
                   <a:srgbClr val="000000"/>
                 </a:solidFill>
                 <a:latin typeface="Calibri"/>
+                <a:ea typeface="DejaVu Sans"/>
               </a:rPr>
               <a:t>All parameters must be integers.</a:t>
             </a:r>
@@ -9846,7 +10051,7 @@
             </a:endParaRPr>
           </a:p>
           <a:p>
-            <a:pPr marL="228600" indent="-227880">
+            <a:pPr marL="228600" indent="-227520">
               <a:lnSpc>
                 <a:spcPct val="90000"/>
               </a:lnSpc>
@@ -9868,6 +10073,7 @@
                   <a:srgbClr val="000000"/>
                 </a:solidFill>
                 <a:latin typeface="Calibri"/>
+                <a:ea typeface="DejaVu Sans"/>
               </a:rPr>
               <a:t>All parameters can be positive or negative.</a:t>
             </a:r>
@@ -9876,7 +10082,7 @@
             </a:endParaRPr>
           </a:p>
           <a:p>
-            <a:pPr marL="228600" indent="-227880">
+            <a:pPr marL="228600" indent="-227520">
               <a:lnSpc>
                 <a:spcPct val="90000"/>
               </a:lnSpc>
@@ -9898,6 +10104,7 @@
                   <a:srgbClr val="000000"/>
                 </a:solidFill>
                 <a:latin typeface="Calibri"/>
+                <a:ea typeface="DejaVu Sans"/>
               </a:rPr>
               <a:t>range() is 0 – index based ,means list index's start at 0 , not 1.</a:t>
             </a:r>
@@ -9906,7 +10113,7 @@
             </a:endParaRPr>
           </a:p>
           <a:p>
-            <a:pPr marL="228600" indent="-227880">
+            <a:pPr marL="228600" indent="-227520">
               <a:lnSpc>
                 <a:spcPct val="90000"/>
               </a:lnSpc>
@@ -9928,6 +10135,7 @@
                   <a:srgbClr val="000000"/>
                 </a:solidFill>
                 <a:latin typeface="Calibri"/>
+                <a:ea typeface="DejaVu Sans"/>
               </a:rPr>
               <a:t>The syntax access the first element of a list is mylist[0]. Therefore the</a:t>
             </a:r>
@@ -9953,6 +10161,7 @@
                   <a:srgbClr val="000000"/>
                 </a:solidFill>
                 <a:latin typeface="Calibri"/>
+                <a:ea typeface="DejaVu Sans"/>
               </a:rPr>
               <a:t> </a:t>
             </a:r>
@@ -9962,6 +10171,7 @@
                   <a:srgbClr val="000000"/>
                 </a:solidFill>
                 <a:latin typeface="Calibri"/>
+                <a:ea typeface="DejaVu Sans"/>
               </a:rPr>
               <a:t>last integer generated by range() is up to ,but not including  stop.</a:t>
             </a:r>
@@ -10026,7 +10236,7 @@
         <p:spPr>
           <a:xfrm>
             <a:off x="838080" y="365040"/>
-            <a:ext cx="10514880" cy="1324800"/>
+            <a:ext cx="10514520" cy="1324440"/>
           </a:xfrm>
           <a:prstGeom prst="rect">
             <a:avLst/>
@@ -10058,6 +10268,7 @@
                   <a:srgbClr val="ff0000"/>
                 </a:solidFill>
                 <a:latin typeface="Calibri Light"/>
+                <a:ea typeface="DejaVu Sans"/>
               </a:rPr>
               <a:t>Python Interpreter</a:t>
             </a:r>
@@ -10080,7 +10291,7 @@
         <p:spPr>
           <a:xfrm>
             <a:off x="2137680" y="3115440"/>
-            <a:ext cx="7943040" cy="1770840"/>
+            <a:ext cx="7942680" cy="1770480"/>
           </a:xfrm>
           <a:prstGeom prst="rect">
             <a:avLst/>
@@ -10129,7 +10340,7 @@
         <p:spPr>
           <a:xfrm>
             <a:off x="861120" y="-288000"/>
-            <a:ext cx="10514880" cy="1324800"/>
+            <a:ext cx="10514520" cy="1324440"/>
           </a:xfrm>
           <a:prstGeom prst="rect">
             <a:avLst/>
@@ -10161,6 +10372,7 @@
                   <a:srgbClr val="ff0000"/>
                 </a:solidFill>
                 <a:latin typeface="Calibri Light"/>
+                <a:ea typeface="DejaVu Sans"/>
               </a:rPr>
               <a:t>Interpreter Vs Compiler </a:t>
             </a:r>
@@ -10178,7 +10390,7 @@
         </p:nvGraphicFramePr>
         <p:xfrm>
           <a:off x="367920" y="820080"/>
-          <a:ext cx="10902600" cy="3825000"/>
+          <a:ext cx="10902600" cy="3752280"/>
         </p:xfrm>
         <a:graphic>
           <a:graphicData uri="http://schemas.openxmlformats.org/drawingml/2006/table">
@@ -10921,7 +11133,7 @@
         <p:spPr>
           <a:xfrm>
             <a:off x="838080" y="365040"/>
-            <a:ext cx="10514880" cy="1324800"/>
+            <a:ext cx="10514520" cy="1324440"/>
           </a:xfrm>
           <a:prstGeom prst="rect">
             <a:avLst/>
@@ -10953,6 +11165,7 @@
                   <a:srgbClr val="ff0000"/>
                 </a:solidFill>
                 <a:latin typeface="Calibri Light"/>
+                <a:ea typeface="DejaVu Sans"/>
               </a:rPr>
               <a:t>Interpreter</a:t>
             </a:r>
@@ -10962,6 +11175,7 @@
                   <a:srgbClr val="ff0000"/>
                 </a:solidFill>
                 <a:latin typeface="Calibri Light"/>
+                <a:ea typeface="DejaVu Sans"/>
               </a:rPr>
               <a:t> Vs Compiler </a:t>
             </a:r>
@@ -10984,7 +11198,7 @@
         <p:spPr>
           <a:xfrm>
             <a:off x="838080" y="1972440"/>
-            <a:ext cx="10256760" cy="4056840"/>
+            <a:ext cx="10256400" cy="4056480"/>
           </a:xfrm>
           <a:prstGeom prst="rect">
             <a:avLst/>
@@ -11033,7 +11247,7 @@
         <p:spPr>
           <a:xfrm>
             <a:off x="838080" y="365040"/>
-            <a:ext cx="10514880" cy="1324800"/>
+            <a:ext cx="10514520" cy="1324440"/>
           </a:xfrm>
           <a:prstGeom prst="rect">
             <a:avLst/>
@@ -11065,6 +11279,7 @@
                   <a:srgbClr val="ff0000"/>
                 </a:solidFill>
                 <a:latin typeface="Calibri Light"/>
+                <a:ea typeface="DejaVu Sans"/>
               </a:rPr>
               <a:t>Scripting and Programming Languages</a:t>
             </a:r>
@@ -11083,7 +11298,7 @@
         <p:spPr>
           <a:xfrm>
             <a:off x="838080" y="1825560"/>
-            <a:ext cx="10514880" cy="4350600"/>
+            <a:ext cx="10514520" cy="4350240"/>
           </a:xfrm>
           <a:prstGeom prst="rect">
             <a:avLst/>
@@ -11104,7 +11319,7 @@
             <a:normAutofit fontScale="54000"/>
           </a:bodyPr>
           <a:p>
-            <a:pPr marL="228600" indent="-227880">
+            <a:pPr marL="228600" indent="-227520">
               <a:lnSpc>
                 <a:spcPct val="90000"/>
               </a:lnSpc>
@@ -11123,6 +11338,7 @@
                   <a:srgbClr val="000000"/>
                 </a:solidFill>
                 <a:latin typeface="Calibri"/>
+                <a:ea typeface="DejaVu Sans"/>
               </a:rPr>
               <a:t>all scripting languages are programming languages. The theoretical difference between the two is that scripting languages do not require the compilation step and are rather interpreted., </a:t>
             </a:r>
@@ -11131,7 +11347,7 @@
             </a:endParaRPr>
           </a:p>
           <a:p>
-            <a:pPr marL="228600" indent="-227880">
+            <a:pPr marL="228600" indent="-227520">
               <a:lnSpc>
                 <a:spcPct val="90000"/>
               </a:lnSpc>
@@ -11150,6 +11366,7 @@
                   <a:srgbClr val="000000"/>
                 </a:solidFill>
                 <a:latin typeface="Calibri"/>
+                <a:ea typeface="DejaVu Sans"/>
               </a:rPr>
               <a:t>a scripting language like JavaScript or PHP need not be compiled.</a:t>
             </a:r>
@@ -11158,7 +11375,7 @@
             </a:endParaRPr>
           </a:p>
           <a:p>
-            <a:pPr marL="228600" indent="-227880">
+            <a:pPr marL="228600" indent="-227520">
               <a:lnSpc>
                 <a:spcPct val="90000"/>
               </a:lnSpc>
@@ -11177,6 +11394,7 @@
                   <a:srgbClr val="000000"/>
                 </a:solidFill>
                 <a:latin typeface="Calibri"/>
+                <a:ea typeface="DejaVu Sans"/>
               </a:rPr>
               <a:t>compiled programs run faster than interpreted programs because they are first converted native machine code. Also, compilers read and analyze the code only once, and report the errors collectively that the code might have, but the interpreter will read and analyze the code statements each time it meets them and halts at that very instance if there is some error. </a:t>
             </a:r>
@@ -11185,7 +11403,7 @@
             </a:endParaRPr>
           </a:p>
           <a:p>
-            <a:pPr marL="228600" indent="-227880">
+            <a:pPr marL="228600" indent="-227520">
               <a:lnSpc>
                 <a:spcPct val="90000"/>
               </a:lnSpc>
@@ -11204,6 +11422,7 @@
                   <a:srgbClr val="000000"/>
                 </a:solidFill>
                 <a:latin typeface="Calibri"/>
+                <a:ea typeface="DejaVu Sans"/>
               </a:rPr>
               <a:t>Some programming languages traditionally used with an explicit compilation step are C, C++.</a:t>
             </a:r>
@@ -11214,6 +11433,7 @@
                   <a:srgbClr val="000000"/>
                 </a:solidFill>
                 <a:latin typeface="Calibri"/>
+                <a:ea typeface="DejaVu Sans"/>
               </a:rPr>
               <a:t> </a:t>
             </a:r>
@@ -11262,7 +11482,7 @@
         <p:spPr>
           <a:xfrm>
             <a:off x="838080" y="365040"/>
-            <a:ext cx="10514880" cy="1324800"/>
+            <a:ext cx="10514520" cy="1324440"/>
           </a:xfrm>
           <a:prstGeom prst="rect">
             <a:avLst/>
@@ -11294,6 +11514,7 @@
                   <a:srgbClr val="ff0000"/>
                 </a:solidFill>
                 <a:latin typeface="Calibri Light"/>
+                <a:ea typeface="DejaVu Sans"/>
               </a:rPr>
               <a:t>Types of scripting languages</a:t>
             </a:r>
@@ -11313,7 +11534,7 @@
         <p:spPr>
           <a:xfrm>
             <a:off x="742680" y="1388880"/>
-            <a:ext cx="10514880" cy="5065920"/>
+            <a:ext cx="10514520" cy="5065560"/>
           </a:xfrm>
           <a:prstGeom prst="rect">
             <a:avLst/>
@@ -11334,7 +11555,7 @@
             <a:normAutofit fontScale="31000"/>
           </a:bodyPr>
           <a:p>
-            <a:pPr marL="228600" indent="-227880">
+            <a:pPr marL="228600" indent="-227520">
               <a:lnSpc>
                 <a:spcPct val="90000"/>
               </a:lnSpc>
@@ -11353,6 +11574,7 @@
                   <a:srgbClr val="000000"/>
                 </a:solidFill>
                 <a:latin typeface="Calibri"/>
+                <a:ea typeface="DejaVu Sans"/>
               </a:rPr>
               <a:t>Perl</a:t>
             </a:r>
@@ -11362,6 +11584,7 @@
                   <a:srgbClr val="000000"/>
                 </a:solidFill>
                 <a:latin typeface="Calibri"/>
+                <a:ea typeface="DejaVu Sans"/>
               </a:rPr>
               <a:t> (Practical Extraction and Report Language). This is a popular string processing language for writing small scripts for system administrators and web site maintainers. Much web development is now done using Perl.</a:t>
             </a:r>
@@ -11370,7 +11593,7 @@
             </a:endParaRPr>
           </a:p>
           <a:p>
-            <a:pPr marL="228600" indent="-227880">
+            <a:pPr marL="228600" indent="-227520">
               <a:lnSpc>
                 <a:spcPct val="90000"/>
               </a:lnSpc>
@@ -11389,6 +11612,7 @@
                   <a:srgbClr val="000000"/>
                 </a:solidFill>
                 <a:latin typeface="Calibri"/>
+                <a:ea typeface="DejaVu Sans"/>
               </a:rPr>
               <a:t>Hypertalk</a:t>
             </a:r>
@@ -11398,6 +11622,7 @@
                   <a:srgbClr val="000000"/>
                 </a:solidFill>
                 <a:latin typeface="Calibri"/>
+                <a:ea typeface="DejaVu Sans"/>
               </a:rPr>
               <a:t> is another example. It is the underlying scripting language of HyperCard.</a:t>
             </a:r>
@@ -11406,7 +11631,7 @@
             </a:endParaRPr>
           </a:p>
           <a:p>
-            <a:pPr marL="228600" indent="-227880">
+            <a:pPr marL="228600" indent="-227520">
               <a:lnSpc>
                 <a:spcPct val="90000"/>
               </a:lnSpc>
@@ -11425,6 +11650,7 @@
                   <a:srgbClr val="000000"/>
                 </a:solidFill>
                 <a:latin typeface="Calibri"/>
+                <a:ea typeface="DejaVu Sans"/>
               </a:rPr>
               <a:t>Lingo</a:t>
             </a:r>
@@ -11434,6 +11660,7 @@
                   <a:srgbClr val="000000"/>
                 </a:solidFill>
                 <a:latin typeface="Calibri"/>
+                <a:ea typeface="DejaVu Sans"/>
               </a:rPr>
               <a:t> is the scripting language of Macromedia Director, an authoring system for develop high-performance multimedia content and applications for CDs, DVDs and the Internet.</a:t>
             </a:r>
@@ -11442,7 +11669,7 @@
             </a:endParaRPr>
           </a:p>
           <a:p>
-            <a:pPr marL="228600" indent="-227880">
+            <a:pPr marL="228600" indent="-227520">
               <a:lnSpc>
                 <a:spcPct val="90000"/>
               </a:lnSpc>
@@ -11461,6 +11688,7 @@
                   <a:srgbClr val="000000"/>
                 </a:solidFill>
                 <a:latin typeface="Calibri"/>
+                <a:ea typeface="DejaVu Sans"/>
               </a:rPr>
               <a:t>AppleScript</a:t>
             </a:r>
@@ -11470,6 +11698,7 @@
                   <a:srgbClr val="000000"/>
                 </a:solidFill>
                 <a:latin typeface="Calibri"/>
+                <a:ea typeface="DejaVu Sans"/>
               </a:rPr>
               <a:t>, a scripting language for the Macintosh allows the user to send commands to the operating system to, for example open applications, carry out complex data operations.</a:t>
             </a:r>
@@ -11478,7 +11707,7 @@
             </a:endParaRPr>
           </a:p>
           <a:p>
-            <a:pPr marL="228600" indent="-227880">
+            <a:pPr marL="228600" indent="-227520">
               <a:lnSpc>
                 <a:spcPct val="90000"/>
               </a:lnSpc>
@@ -11497,6 +11726,7 @@
                   <a:srgbClr val="000000"/>
                 </a:solidFill>
                 <a:latin typeface="Calibri"/>
+                <a:ea typeface="DejaVu Sans"/>
               </a:rPr>
               <a:t>JavaScript</a:t>
             </a:r>
@@ -11506,6 +11736,7 @@
                   <a:srgbClr val="000000"/>
                 </a:solidFill>
                 <a:latin typeface="Calibri"/>
+                <a:ea typeface="DejaVu Sans"/>
               </a:rPr>
               <a:t>, perhaps the most publicished and well-known scripting language was initially developed by Netscape as LiveScript to allow more functionality and enhancement to web page authoring that raw HTML could not accommodate. A standard version of JavaScript was later developed to work in both Netscape and Microsoft's Internet Explorer, thus making the language to a large extent, universal. This means that JavaScript code can run on any platform that has a JavaScript interpreter.</a:t>
             </a:r>
@@ -11514,7 +11745,7 @@
             </a:endParaRPr>
           </a:p>
           <a:p>
-            <a:pPr marL="228600" indent="-227880">
+            <a:pPr marL="228600" indent="-227520">
               <a:lnSpc>
                 <a:spcPct val="90000"/>
               </a:lnSpc>
@@ -11533,6 +11764,7 @@
                   <a:srgbClr val="000000"/>
                 </a:solidFill>
                 <a:latin typeface="Calibri"/>
+                <a:ea typeface="DejaVu Sans"/>
               </a:rPr>
               <a:t>VBScript</a:t>
             </a:r>
@@ -11542,6 +11774,7 @@
                   <a:srgbClr val="000000"/>
                 </a:solidFill>
                 <a:latin typeface="Calibri"/>
+                <a:ea typeface="DejaVu Sans"/>
               </a:rPr>
               <a:t>, a cut-down version of Visual Basic, used to enhance the features of web pages in Internet Explorer.</a:t>
             </a:r>
@@ -11603,7 +11836,7 @@
         <p:spPr>
           <a:xfrm>
             <a:off x="838080" y="365040"/>
-            <a:ext cx="10514880" cy="1324800"/>
+            <a:ext cx="10514520" cy="1324440"/>
           </a:xfrm>
           <a:prstGeom prst="rect">
             <a:avLst/>
@@ -11635,6 +11868,7 @@
                   <a:srgbClr val="ff0000"/>
                 </a:solidFill>
                 <a:latin typeface="Calibri Light"/>
+                <a:ea typeface="DejaVu Sans"/>
               </a:rPr>
               <a:t>Top 10 Reasons To Learn Python</a:t>
             </a:r>
@@ -11654,7 +11888,7 @@
         <p:spPr>
           <a:xfrm>
             <a:off x="838080" y="1825560"/>
-            <a:ext cx="10514880" cy="4350600"/>
+            <a:ext cx="10514520" cy="4350240"/>
           </a:xfrm>
           <a:prstGeom prst="rect">
             <a:avLst/>
@@ -11675,7 +11909,7 @@
             <a:normAutofit fontScale="49000"/>
           </a:bodyPr>
           <a:p>
-            <a:pPr marL="514440" indent="-513720">
+            <a:pPr marL="514440" indent="-513360">
               <a:lnSpc>
                 <a:spcPct val="90000"/>
               </a:lnSpc>
@@ -11695,6 +11929,7 @@
                 </a:solidFill>
                 <a:uFillTx/>
                 <a:latin typeface="Calibri"/>
+                <a:ea typeface="DejaVu Sans"/>
                 <a:hlinkClick r:id="rId1"/>
               </a:rPr>
               <a:t>Python’s popularity &amp; high salary</a:t>
@@ -11704,7 +11939,7 @@
             </a:endParaRPr>
           </a:p>
           <a:p>
-            <a:pPr marL="514440" indent="-513720">
+            <a:pPr marL="514440" indent="-513360">
               <a:lnSpc>
                 <a:spcPct val="90000"/>
               </a:lnSpc>
@@ -11724,6 +11959,7 @@
                 </a:solidFill>
                 <a:uFillTx/>
                 <a:latin typeface="Calibri"/>
+                <a:ea typeface="DejaVu Sans"/>
                 <a:hlinkClick r:id="rId2"/>
               </a:rPr>
               <a:t>Python is used in Data Science</a:t>
@@ -11734,6 +11970,7 @@
                   <a:srgbClr val="000000"/>
                 </a:solidFill>
                 <a:latin typeface="Calibri"/>
+                <a:ea typeface="DejaVu Sans"/>
               </a:rPr>
               <a:t> -- Matrix as well as statistical data(</a:t>
             </a:r>
@@ -11743,6 +11980,7 @@
                   <a:srgbClr val="000000"/>
                 </a:solidFill>
                 <a:latin typeface="Calibri"/>
+                <a:ea typeface="DejaVu Sans"/>
               </a:rPr>
               <a:t>Matplotlib</a:t>
             </a:r>
@@ -11752,6 +11990,7 @@
                   <a:srgbClr val="000000"/>
                 </a:solidFill>
                 <a:latin typeface="Calibri"/>
+                <a:ea typeface="DejaVu Sans"/>
               </a:rPr>
               <a:t> and Seaborn) and Python numerical engines ( Numpy, Scipy and Pandas )</a:t>
             </a:r>
@@ -11760,7 +11999,7 @@
             </a:endParaRPr>
           </a:p>
           <a:p>
-            <a:pPr marL="514440" indent="-513720">
+            <a:pPr marL="514440" indent="-513360">
               <a:lnSpc>
                 <a:spcPct val="90000"/>
               </a:lnSpc>
@@ -11780,6 +12019,7 @@
                 </a:solidFill>
                 <a:uFillTx/>
                 <a:latin typeface="Calibri"/>
+                <a:ea typeface="DejaVu Sans"/>
                 <a:hlinkClick r:id="rId3"/>
               </a:rPr>
               <a:t>Python’s scripting &amp; automation</a:t>
@@ -11790,6 +12030,7 @@
                   <a:srgbClr val="000000"/>
                 </a:solidFill>
                 <a:latin typeface="Calibri"/>
+                <a:ea typeface="DejaVu Sans"/>
               </a:rPr>
               <a:t> </a:t>
             </a:r>
@@ -11798,7 +12039,7 @@
             </a:endParaRPr>
           </a:p>
           <a:p>
-            <a:pPr marL="514440" indent="-513720">
+            <a:pPr marL="514440" indent="-513360">
               <a:lnSpc>
                 <a:spcPct val="90000"/>
               </a:lnSpc>
@@ -11818,6 +12059,7 @@
                 </a:solidFill>
                 <a:uFillTx/>
                 <a:latin typeface="Calibri"/>
+                <a:ea typeface="DejaVu Sans"/>
                 <a:hlinkClick r:id="rId4"/>
               </a:rPr>
               <a:t>Python used with Big </a:t>
@@ -11829,6 +12071,7 @@
                 </a:solidFill>
                 <a:uFillTx/>
                 <a:latin typeface="Calibri"/>
+                <a:ea typeface="DejaVu Sans"/>
                 <a:hlinkClick r:id="rId5"/>
               </a:rPr>
               <a:t>Data</a:t>
@@ -11839,6 +12082,7 @@
                   <a:srgbClr val="000000"/>
                 </a:solidFill>
                 <a:latin typeface="Calibri"/>
+                <a:ea typeface="DejaVu Sans"/>
               </a:rPr>
               <a:t> – Pydoop , Data Proccesing(Dask,pyspark)</a:t>
             </a:r>
@@ -11847,7 +12091,7 @@
             </a:endParaRPr>
           </a:p>
           <a:p>
-            <a:pPr marL="514440" indent="-513720">
+            <a:pPr marL="514440" indent="-513360">
               <a:lnSpc>
                 <a:spcPct val="90000"/>
               </a:lnSpc>
@@ -11867,6 +12111,7 @@
                 </a:solidFill>
                 <a:uFillTx/>
                 <a:latin typeface="Calibri"/>
+                <a:ea typeface="DejaVu Sans"/>
                 <a:hlinkClick r:id="rId6"/>
               </a:rPr>
               <a:t>Python supports </a:t>
@@ -11878,6 +12123,7 @@
                 </a:solidFill>
                 <a:uFillTx/>
                 <a:latin typeface="Calibri"/>
+                <a:ea typeface="DejaVu Sans"/>
                 <a:hlinkClick r:id="rId7"/>
               </a:rPr>
               <a:t>Testing</a:t>
@@ -11888,6 +12134,7 @@
                   <a:srgbClr val="000000"/>
                 </a:solidFill>
                 <a:latin typeface="Calibri"/>
+                <a:ea typeface="DejaVu Sans"/>
               </a:rPr>
               <a:t> – Pytest , Robot </a:t>
             </a:r>
@@ -11896,7 +12143,7 @@
             </a:endParaRPr>
           </a:p>
           <a:p>
-            <a:pPr marL="514440" indent="-513720">
+            <a:pPr marL="514440" indent="-513360">
               <a:lnSpc>
                 <a:spcPct val="90000"/>
               </a:lnSpc>
@@ -11916,6 +12163,7 @@
                 </a:solidFill>
                 <a:uFillTx/>
                 <a:latin typeface="Calibri"/>
+                <a:ea typeface="DejaVu Sans"/>
                 <a:hlinkClick r:id="rId8"/>
               </a:rPr>
               <a:t>Computer Graphics in </a:t>
@@ -11927,6 +12175,7 @@
                 </a:solidFill>
                 <a:uFillTx/>
                 <a:latin typeface="Calibri"/>
+                <a:ea typeface="DejaVu Sans"/>
                 <a:hlinkClick r:id="rId9"/>
               </a:rPr>
               <a:t>Python</a:t>
@@ -11937,6 +12186,7 @@
                   <a:srgbClr val="000000"/>
                 </a:solidFill>
                 <a:latin typeface="Calibri"/>
+                <a:ea typeface="DejaVu Sans"/>
               </a:rPr>
               <a:t> – Tkinter , Pygame</a:t>
             </a:r>
@@ -11945,7 +12195,7 @@
             </a:endParaRPr>
           </a:p>
           <a:p>
-            <a:pPr marL="514440" indent="-513720">
+            <a:pPr marL="514440" indent="-513360">
               <a:lnSpc>
                 <a:spcPct val="90000"/>
               </a:lnSpc>
@@ -11965,6 +12215,7 @@
                 </a:solidFill>
                 <a:uFillTx/>
                 <a:latin typeface="Calibri"/>
+                <a:ea typeface="DejaVu Sans"/>
                 <a:hlinkClick r:id="rId10"/>
               </a:rPr>
               <a:t>Python used in Artificial </a:t>
@@ -11976,6 +12227,7 @@
                 </a:solidFill>
                 <a:uFillTx/>
                 <a:latin typeface="Calibri"/>
+                <a:ea typeface="DejaVu Sans"/>
                 <a:hlinkClick r:id="rId11"/>
               </a:rPr>
               <a:t>Intelligence</a:t>
@@ -11986,6 +12238,7 @@
                   <a:srgbClr val="000000"/>
                 </a:solidFill>
                 <a:latin typeface="Calibri"/>
+                <a:ea typeface="DejaVu Sans"/>
               </a:rPr>
               <a:t> – Keras , TensorFlow , OpenCv</a:t>
             </a:r>
@@ -11994,7 +12247,7 @@
             </a:endParaRPr>
           </a:p>
           <a:p>
-            <a:pPr marL="514440" indent="-513720">
+            <a:pPr marL="514440" indent="-513360">
               <a:lnSpc>
                 <a:spcPct val="90000"/>
               </a:lnSpc>
@@ -12014,6 +12267,7 @@
                 </a:solidFill>
                 <a:uFillTx/>
                 <a:latin typeface="Calibri"/>
+                <a:ea typeface="DejaVu Sans"/>
                 <a:hlinkClick r:id="rId12"/>
               </a:rPr>
               <a:t>Python in Web </a:t>
@@ -12025,6 +12279,7 @@
                 </a:solidFill>
                 <a:uFillTx/>
                 <a:latin typeface="Calibri"/>
+                <a:ea typeface="DejaVu Sans"/>
                 <a:hlinkClick r:id="rId13"/>
               </a:rPr>
               <a:t>Development</a:t>
@@ -12035,6 +12290,7 @@
                   <a:srgbClr val="000000"/>
                 </a:solidFill>
                 <a:latin typeface="Calibri"/>
+                <a:ea typeface="DejaVu Sans"/>
               </a:rPr>
               <a:t> – Django , Flask, Pylons ,e.t.c.</a:t>
             </a:r>
@@ -12043,7 +12299,7 @@
             </a:endParaRPr>
           </a:p>
           <a:p>
-            <a:pPr marL="514440" indent="-513720">
+            <a:pPr marL="514440" indent="-513360">
               <a:lnSpc>
                 <a:spcPct val="90000"/>
               </a:lnSpc>
@@ -12063,6 +12319,7 @@
                 </a:solidFill>
                 <a:uFillTx/>
                 <a:latin typeface="Calibri"/>
+                <a:ea typeface="DejaVu Sans"/>
                 <a:hlinkClick r:id="rId14"/>
               </a:rPr>
               <a:t>Python is portable &amp; extensible</a:t>
@@ -12072,7 +12329,7 @@
             </a:endParaRPr>
           </a:p>
           <a:p>
-            <a:pPr marL="514440" indent="-513720">
+            <a:pPr marL="514440" indent="-513360">
               <a:lnSpc>
                 <a:spcPct val="90000"/>
               </a:lnSpc>
@@ -12092,6 +12349,7 @@
                 </a:solidFill>
                 <a:uFillTx/>
                 <a:latin typeface="Calibri"/>
+                <a:ea typeface="DejaVu Sans"/>
                 <a:hlinkClick r:id="rId15"/>
               </a:rPr>
               <a:t>Python is simple &amp; easy to learn</a:t>
@@ -12141,7 +12399,7 @@
         <p:spPr>
           <a:xfrm>
             <a:off x="838080" y="365040"/>
-            <a:ext cx="10514880" cy="1324800"/>
+            <a:ext cx="10514520" cy="1324440"/>
           </a:xfrm>
           <a:prstGeom prst="rect">
             <a:avLst/>
@@ -12173,6 +12431,7 @@
                   <a:srgbClr val="ff0000"/>
                 </a:solidFill>
                 <a:latin typeface="Calibri Light"/>
+                <a:ea typeface="DejaVu Sans"/>
               </a:rPr>
               <a:t>Various Languages involved in Python Development</a:t>
             </a:r>
@@ -12191,7 +12450,7 @@
         <p:spPr>
           <a:xfrm>
             <a:off x="838080" y="2194200"/>
-            <a:ext cx="10514880" cy="4350600"/>
+            <a:ext cx="10514520" cy="4350240"/>
           </a:xfrm>
           <a:prstGeom prst="rect">
             <a:avLst/>
@@ -12212,7 +12471,7 @@
             <a:normAutofit/>
           </a:bodyPr>
           <a:p>
-            <a:pPr marL="228600" indent="-227880">
+            <a:pPr marL="228600" indent="-227520">
               <a:lnSpc>
                 <a:spcPct val="90000"/>
               </a:lnSpc>
@@ -12231,6 +12490,7 @@
                   <a:srgbClr val="000000"/>
                 </a:solidFill>
                 <a:latin typeface="Calibri"/>
+                <a:ea typeface="DejaVu Sans"/>
               </a:rPr>
               <a:t>Functional Programming --- C language</a:t>
             </a:r>
@@ -12239,7 +12499,7 @@
             </a:endParaRPr>
           </a:p>
           <a:p>
-            <a:pPr marL="228600" indent="-227880">
+            <a:pPr marL="228600" indent="-227520">
               <a:lnSpc>
                 <a:spcPct val="90000"/>
               </a:lnSpc>
@@ -12258,6 +12518,7 @@
                   <a:srgbClr val="000000"/>
                 </a:solidFill>
                 <a:latin typeface="Calibri"/>
+                <a:ea typeface="DejaVu Sans"/>
               </a:rPr>
               <a:t>OOPS --- C++</a:t>
             </a:r>
@@ -12266,7 +12527,7 @@
             </a:endParaRPr>
           </a:p>
           <a:p>
-            <a:pPr marL="228600" indent="-227880">
+            <a:pPr marL="228600" indent="-227520">
               <a:lnSpc>
                 <a:spcPct val="90000"/>
               </a:lnSpc>
@@ -12285,6 +12546,7 @@
                   <a:srgbClr val="000000"/>
                 </a:solidFill>
                 <a:latin typeface="Calibri"/>
+                <a:ea typeface="DejaVu Sans"/>
               </a:rPr>
               <a:t>Scripting programming --- Perl and Shell Script</a:t>
             </a:r>
@@ -12293,7 +12555,7 @@
             </a:endParaRPr>
           </a:p>
           <a:p>
-            <a:pPr marL="228600" indent="-227880">
+            <a:pPr marL="228600" indent="-227520">
               <a:lnSpc>
                 <a:spcPct val="90000"/>
               </a:lnSpc>
@@ -12312,6 +12574,7 @@
                   <a:srgbClr val="000000"/>
                 </a:solidFill>
                 <a:latin typeface="Calibri"/>
+                <a:ea typeface="DejaVu Sans"/>
               </a:rPr>
               <a:t>Modular Programming --- Modula-3</a:t>
             </a:r>
